--- a/BIA-ALCL Ontology Poster Template.pptx
+++ b/BIA-ALCL Ontology Poster Template.pptx
@@ -140,656 +140,371 @@
   <p:cmAuthor id="0" name="Du, Dongyi (Tony)" initials="DD(" lastIdx="2" clrIdx="0"/>
   <p:cmAuthor id="1" name="Loyo-Berrios, Nilsa" initials="LN" lastIdx="4" clrIdx="1"/>
   <p:cmAuthor id="2" name="Jiang, Hongying (Helen)" initials="HJ" lastIdx="1" clrIdx="2"/>
+  <p:cmAuthor id="3" name="Mark Jung" initials="MJ" lastIdx="2" clrIdx="3">
+    <p:extLst>
+      <p:ext uri="{19B8F6BF-5375-455C-9EA6-DF929625EA0E}">
+        <p15:presenceInfo xmlns:p15="http://schemas.microsoft.com/office/powerpoint/2012/main" userId="ff6ac22caf37825e" providerId="Windows Live"/>
+      </p:ext>
+    </p:extLst>
+  </p:cmAuthor>
 </p:cmAuthorLst>
 </file>
 
-<file path=ppt/revisionInfo.xml><?xml version="1.0" encoding="utf-8"?>
-<p1510:revInfo xmlns:a="http://schemas.openxmlformats.org/drawingml/2006/main" xmlns:r="http://schemas.openxmlformats.org/officeDocument/2006/relationships" xmlns:p1510="http://schemas.microsoft.com/office/powerpoint/2015/10/main"/>
-</file>
-
-<file path=ppt/charts/chart1.xml><?xml version="1.0" encoding="utf-8"?>
-<c:chartSpace xmlns:c="http://schemas.openxmlformats.org/drawingml/2006/chart" xmlns:a="http://schemas.openxmlformats.org/drawingml/2006/main" xmlns:r="http://schemas.openxmlformats.org/officeDocument/2006/relationships" xmlns:c16r2="http://schemas.microsoft.com/office/drawing/2015/06/chart">
-  <c:date1904 val="0"/>
-  <c:lang val="en-US"/>
-  <c:roundedCorners val="0"/>
-  <mc:AlternateContent xmlns:mc="http://schemas.openxmlformats.org/markup-compatibility/2006">
-    <mc:Choice xmlns:c14="http://schemas.microsoft.com/office/drawing/2007/8/2/chart" Requires="c14">
-      <c14:style val="102"/>
-    </mc:Choice>
-    <mc:Fallback>
-      <c:style val="2"/>
-    </mc:Fallback>
-  </mc:AlternateContent>
-  <c:chart>
-    <c:title>
-      <c:tx>
-        <c:rich>
-          <a:bodyPr/>
-          <a:lstStyle/>
-          <a:p>
-            <a:pPr>
-              <a:defRPr sz="2400" baseline="0"/>
-            </a:pPr>
-            <a:r>
-              <a:rPr lang="en-US" sz="2400" baseline="0" dirty="0"/>
-              <a:t>ALCL Presentation in MDRs </a:t>
-            </a:r>
-          </a:p>
-        </c:rich>
-      </c:tx>
-      <c:overlay val="0"/>
-    </c:title>
-    <c:autoTitleDeleted val="0"/>
-    <c:plotArea>
-      <c:layout>
-        <c:manualLayout>
-          <c:layoutTarget val="inner"/>
-          <c:xMode val="edge"/>
-          <c:yMode val="edge"/>
-          <c:x val="0.23745160589209807"/>
-          <c:y val="0.11907017661667564"/>
-          <c:w val="0.59909187470068248"/>
-          <c:h val="0.779560711102254"/>
-        </c:manualLayout>
-      </c:layout>
-      <c:pieChart>
-        <c:varyColors val="1"/>
-        <c:ser>
-          <c:idx val="0"/>
-          <c:order val="0"/>
-          <c:dLbls>
-            <c:dLbl>
-              <c:idx val="0"/>
-              <c:layout>
-                <c:manualLayout>
-                  <c:x val="-0.18428345356702322"/>
-                  <c:y val="-1.9721161755710702E-3"/>
-                </c:manualLayout>
-              </c:layout>
-              <c:showLegendKey val="0"/>
-              <c:showVal val="1"/>
-              <c:showCatName val="1"/>
-              <c:showSerName val="0"/>
-              <c:showPercent val="0"/>
-              <c:showBubbleSize val="0"/>
-              <c:extLst>
-                <c:ext xmlns:c15="http://schemas.microsoft.com/office/drawing/2012/chart" uri="{CE6537A1-D6FC-4f65-9D91-7224C49458BB}"/>
-                <c:ext xmlns:c16="http://schemas.microsoft.com/office/drawing/2014/chart" uri="{C3380CC4-5D6E-409C-BE32-E72D297353CC}">
-                  <c16:uniqueId val="{00000000-B3D5-49FC-8409-AB4227A7ABEC}"/>
-                </c:ext>
-              </c:extLst>
-            </c:dLbl>
-            <c:dLbl>
-              <c:idx val="1"/>
-              <c:layout>
-                <c:manualLayout>
-                  <c:x val="0.17490078759196453"/>
-                  <c:y val="-3.8023977064851147E-3"/>
-                </c:manualLayout>
-              </c:layout>
-              <c:showLegendKey val="0"/>
-              <c:showVal val="1"/>
-              <c:showCatName val="1"/>
-              <c:showSerName val="0"/>
-              <c:showPercent val="0"/>
-              <c:showBubbleSize val="0"/>
-              <c:extLst>
-                <c:ext xmlns:c15="http://schemas.microsoft.com/office/drawing/2012/chart" uri="{CE6537A1-D6FC-4f65-9D91-7224C49458BB}"/>
-                <c:ext xmlns:c16="http://schemas.microsoft.com/office/drawing/2014/chart" uri="{C3380CC4-5D6E-409C-BE32-E72D297353CC}">
-                  <c16:uniqueId val="{00000001-B3D5-49FC-8409-AB4227A7ABEC}"/>
-                </c:ext>
-              </c:extLst>
-            </c:dLbl>
-            <c:dLbl>
-              <c:idx val="2"/>
-              <c:tx>
-                <c:rich>
-                  <a:bodyPr/>
-                  <a:lstStyle/>
-                  <a:p>
-                    <a:r>
-                      <a:rPr lang="en-US" sz="2400" baseline="0" dirty="0"/>
-                      <a:t>Mass, 13</a:t>
-                    </a:r>
-                    <a:endParaRPr lang="en-US" dirty="0"/>
-                  </a:p>
-                </c:rich>
-              </c:tx>
-              <c:showLegendKey val="0"/>
-              <c:showVal val="1"/>
-              <c:showCatName val="1"/>
-              <c:showSerName val="0"/>
-              <c:showPercent val="0"/>
-              <c:showBubbleSize val="0"/>
-              <c:extLst>
-                <c:ext xmlns:c15="http://schemas.microsoft.com/office/drawing/2012/chart" uri="{CE6537A1-D6FC-4f65-9D91-7224C49458BB}"/>
-                <c:ext xmlns:c16="http://schemas.microsoft.com/office/drawing/2014/chart" uri="{C3380CC4-5D6E-409C-BE32-E72D297353CC}">
-                  <c16:uniqueId val="{00000002-B3D5-49FC-8409-AB4227A7ABEC}"/>
-                </c:ext>
-              </c:extLst>
-            </c:dLbl>
-            <c:dLbl>
-              <c:idx val="3"/>
-              <c:layout>
-                <c:manualLayout>
-                  <c:x val="-7.4613548246715367E-3"/>
-                  <c:y val="-2.1077824865895701E-2"/>
-                </c:manualLayout>
-              </c:layout>
-              <c:tx>
-                <c:rich>
-                  <a:bodyPr/>
-                  <a:lstStyle/>
-                  <a:p>
-                    <a:r>
-                      <a:rPr lang="en-US" sz="2400" baseline="0" dirty="0"/>
-                      <a:t>Other, 38</a:t>
-                    </a:r>
-                    <a:endParaRPr lang="en-US" dirty="0"/>
-                  </a:p>
-                </c:rich>
-              </c:tx>
-              <c:showLegendKey val="0"/>
-              <c:showVal val="1"/>
-              <c:showCatName val="1"/>
-              <c:showSerName val="0"/>
-              <c:showPercent val="0"/>
-              <c:showBubbleSize val="0"/>
-              <c:extLst>
-                <c:ext xmlns:c15="http://schemas.microsoft.com/office/drawing/2012/chart" uri="{CE6537A1-D6FC-4f65-9D91-7224C49458BB}"/>
-                <c:ext xmlns:c16="http://schemas.microsoft.com/office/drawing/2014/chart" uri="{C3380CC4-5D6E-409C-BE32-E72D297353CC}">
-                  <c16:uniqueId val="{00000003-B3D5-49FC-8409-AB4227A7ABEC}"/>
-                </c:ext>
-              </c:extLst>
-            </c:dLbl>
-            <c:dLbl>
-              <c:idx val="4"/>
-              <c:layout>
-                <c:manualLayout>
-                  <c:x val="-2.2110998312650999E-2"/>
-                  <c:y val="6.6698158973536509E-2"/>
-                </c:manualLayout>
-              </c:layout>
-              <c:showLegendKey val="0"/>
-              <c:showVal val="1"/>
-              <c:showCatName val="1"/>
-              <c:showSerName val="0"/>
-              <c:showPercent val="0"/>
-              <c:showBubbleSize val="0"/>
-              <c:extLst>
-                <c:ext xmlns:c15="http://schemas.microsoft.com/office/drawing/2012/chart" uri="{CE6537A1-D6FC-4f65-9D91-7224C49458BB}"/>
-                <c:ext xmlns:c16="http://schemas.microsoft.com/office/drawing/2014/chart" uri="{C3380CC4-5D6E-409C-BE32-E72D297353CC}">
-                  <c16:uniqueId val="{00000004-B3D5-49FC-8409-AB4227A7ABEC}"/>
-                </c:ext>
-              </c:extLst>
-            </c:dLbl>
-            <c:spPr>
-              <a:noFill/>
-              <a:ln>
-                <a:noFill/>
-              </a:ln>
-              <a:effectLst/>
-            </c:spPr>
-            <c:txPr>
-              <a:bodyPr/>
-              <a:lstStyle/>
-              <a:p>
-                <a:pPr>
-                  <a:defRPr sz="2400" baseline="0"/>
-                </a:pPr>
-                <a:endParaRPr lang="en-US"/>
-              </a:p>
-            </c:txPr>
-            <c:showLegendKey val="0"/>
-            <c:showVal val="1"/>
-            <c:showCatName val="1"/>
-            <c:showSerName val="0"/>
-            <c:showPercent val="0"/>
-            <c:showBubbleSize val="0"/>
-            <c:showLeaderLines val="1"/>
-            <c:extLst>
-              <c:ext xmlns:c15="http://schemas.microsoft.com/office/drawing/2012/chart" uri="{CE6537A1-D6FC-4f65-9D91-7224C49458BB}"/>
-            </c:extLst>
-          </c:dLbls>
-          <c:cat>
-            <c:strRef>
-              <c:f>presentations!$A$1:$A$5</c:f>
-              <c:strCache>
-                <c:ptCount val="5"/>
-                <c:pt idx="0">
-                  <c:v>Seroma</c:v>
-                </c:pt>
-                <c:pt idx="1">
-                  <c:v>Capsular contraction</c:v>
-                </c:pt>
-                <c:pt idx="2">
-                  <c:v>Peri-implant mass</c:v>
-                </c:pt>
-                <c:pt idx="3">
-                  <c:v>other</c:v>
-                </c:pt>
-                <c:pt idx="4">
-                  <c:v>not specified</c:v>
-                </c:pt>
-              </c:strCache>
-            </c:strRef>
-          </c:cat>
-          <c:val>
-            <c:numRef>
-              <c:f>presentations!$B$1:$B$5</c:f>
-              <c:numCache>
-                <c:formatCode>General</c:formatCode>
-                <c:ptCount val="5"/>
-                <c:pt idx="0">
-                  <c:v>158</c:v>
-                </c:pt>
-                <c:pt idx="1">
-                  <c:v>20</c:v>
-                </c:pt>
-                <c:pt idx="2">
-                  <c:v>13</c:v>
-                </c:pt>
-                <c:pt idx="3">
-                  <c:v>38</c:v>
-                </c:pt>
-                <c:pt idx="4">
-                  <c:v>94</c:v>
-                </c:pt>
-              </c:numCache>
-            </c:numRef>
-          </c:val>
-          <c:extLst>
-            <c:ext xmlns:c16="http://schemas.microsoft.com/office/drawing/2014/chart" uri="{C3380CC4-5D6E-409C-BE32-E72D297353CC}">
-              <c16:uniqueId val="{00000005-B3D5-49FC-8409-AB4227A7ABEC}"/>
-            </c:ext>
-          </c:extLst>
-        </c:ser>
-        <c:dLbls>
-          <c:showLegendKey val="0"/>
-          <c:showVal val="1"/>
-          <c:showCatName val="1"/>
-          <c:showSerName val="0"/>
-          <c:showPercent val="0"/>
-          <c:showBubbleSize val="0"/>
-          <c:showLeaderLines val="1"/>
-        </c:dLbls>
-        <c:firstSliceAng val="0"/>
-      </c:pieChart>
-    </c:plotArea>
-    <c:plotVisOnly val="1"/>
-    <c:dispBlanksAs val="gap"/>
-    <c:showDLblsOverMax val="0"/>
-  </c:chart>
-  <c:externalData r:id="rId1">
-    <c:autoUpdate val="0"/>
-  </c:externalData>
-</c:chartSpace>
-</file>
-
-<file path=ppt/charts/chart2.xml><?xml version="1.0" encoding="utf-8"?>
-<c:chartSpace xmlns:c="http://schemas.openxmlformats.org/drawingml/2006/chart" xmlns:a="http://schemas.openxmlformats.org/drawingml/2006/main" xmlns:r="http://schemas.openxmlformats.org/officeDocument/2006/relationships" xmlns:c16r2="http://schemas.microsoft.com/office/drawing/2015/06/chart">
-  <c:date1904 val="0"/>
-  <c:lang val="en-US"/>
-  <c:roundedCorners val="0"/>
-  <mc:AlternateContent xmlns:mc="http://schemas.openxmlformats.org/markup-compatibility/2006">
-    <mc:Choice xmlns:c14="http://schemas.microsoft.com/office/drawing/2007/8/2/chart" Requires="c14">
-      <c14:style val="102"/>
-    </mc:Choice>
-    <mc:Fallback>
-      <c:style val="2"/>
-    </mc:Fallback>
-  </mc:AlternateContent>
-  <c:chart>
-    <c:autoTitleDeleted val="1"/>
-    <c:plotArea>
-      <c:layout>
-        <c:manualLayout>
-          <c:layoutTarget val="inner"/>
-          <c:xMode val="edge"/>
-          <c:yMode val="edge"/>
-          <c:x val="7.0726303779768865E-2"/>
-          <c:y val="2.558524984063159E-2"/>
-          <c:w val="0.85372599252847126"/>
-          <c:h val="0.86847545726474773"/>
-        </c:manualLayout>
-      </c:layout>
-      <c:barChart>
-        <c:barDir val="col"/>
-        <c:grouping val="clustered"/>
-        <c:varyColors val="0"/>
-        <c:ser>
-          <c:idx val="0"/>
-          <c:order val="0"/>
-          <c:tx>
-            <c:strRef>
-              <c:f>'[counts_for poster.xlsx]Sheet15'!$C$1</c:f>
-              <c:strCache>
-                <c:ptCount val="1"/>
-                <c:pt idx="0">
-                  <c:v>MDR data</c:v>
-                </c:pt>
-              </c:strCache>
-            </c:strRef>
-          </c:tx>
-          <c:spPr>
-            <a:solidFill>
-              <a:schemeClr val="accent1"/>
-            </a:solidFill>
-            <a:ln>
-              <a:solidFill>
-                <a:schemeClr val="tx2"/>
-              </a:solidFill>
-            </a:ln>
-          </c:spPr>
-          <c:invertIfNegative val="0"/>
-          <c:dLbls>
-            <c:spPr>
-              <a:noFill/>
-              <a:ln>
-                <a:noFill/>
-              </a:ln>
-              <a:effectLst/>
-            </c:spPr>
-            <c:showLegendKey val="0"/>
-            <c:showVal val="1"/>
-            <c:showCatName val="0"/>
-            <c:showSerName val="0"/>
-            <c:showPercent val="0"/>
-            <c:showBubbleSize val="0"/>
-            <c:showLeaderLines val="0"/>
-            <c:extLst>
-              <c:ext xmlns:c15="http://schemas.microsoft.com/office/drawing/2012/chart" uri="{CE6537A1-D6FC-4f65-9D91-7224C49458BB}">
-                <c15:showLeaderLines val="0"/>
-              </c:ext>
-            </c:extLst>
-          </c:dLbls>
-          <c:cat>
-            <c:multiLvlStrRef>
-              <c:f>'[counts_for poster.xlsx]Sheet15'!$A$2:$B$5</c:f>
-              <c:multiLvlStrCache>
-                <c:ptCount val="4"/>
-                <c:lvl>
-                  <c:pt idx="0">
-                    <c:v>Saline </c:v>
-                  </c:pt>
-                  <c:pt idx="1">
-                    <c:v>Silicone</c:v>
-                  </c:pt>
-                  <c:pt idx="2">
-                    <c:v>Smooth</c:v>
-                  </c:pt>
-                  <c:pt idx="3">
-                    <c:v>Textured</c:v>
-                  </c:pt>
-                </c:lvl>
-                <c:lvl>
-                  <c:pt idx="0">
-                    <c:v>Fill type</c:v>
-                  </c:pt>
-                  <c:pt idx="2">
-                    <c:v>Surface type</c:v>
-                  </c:pt>
-                </c:lvl>
-              </c:multiLvlStrCache>
-            </c:multiLvlStrRef>
-          </c:cat>
-          <c:val>
-            <c:numRef>
-              <c:f>'[counts_for poster.xlsx]Sheet15'!$C$2:$C$5</c:f>
-              <c:numCache>
-                <c:formatCode>0.00%</c:formatCode>
-                <c:ptCount val="4"/>
-                <c:pt idx="0">
-                  <c:v>0.35099999999999998</c:v>
-                </c:pt>
-                <c:pt idx="1">
-                  <c:v>0.51800000000000002</c:v>
-                </c:pt>
-                <c:pt idx="2">
-                  <c:v>7.8E-2</c:v>
-                </c:pt>
-                <c:pt idx="3">
-                  <c:v>0.56499999999999995</c:v>
-                </c:pt>
-              </c:numCache>
-            </c:numRef>
-          </c:val>
-          <c:extLst>
-            <c:ext xmlns:c16="http://schemas.microsoft.com/office/drawing/2014/chart" uri="{C3380CC4-5D6E-409C-BE32-E72D297353CC}">
-              <c16:uniqueId val="{00000000-F0D4-47E9-A241-23F209184B96}"/>
-            </c:ext>
-          </c:extLst>
-        </c:ser>
-        <c:ser>
-          <c:idx val="1"/>
-          <c:order val="1"/>
-          <c:tx>
-            <c:strRef>
-              <c:f>'[counts_for poster.xlsx]Sheet15'!$D$1</c:f>
-              <c:strCache>
-                <c:ptCount val="1"/>
-                <c:pt idx="0">
-                  <c:v>Literature data</c:v>
-                </c:pt>
-              </c:strCache>
-            </c:strRef>
-          </c:tx>
-          <c:spPr>
-            <a:pattFill prst="pct70">
-              <a:fgClr>
-                <a:schemeClr val="accent6"/>
-              </a:fgClr>
-              <a:bgClr>
-                <a:schemeClr val="bg1"/>
-              </a:bgClr>
-            </a:pattFill>
-            <a:ln>
-              <a:solidFill>
-                <a:schemeClr val="accent2">
-                  <a:shade val="95000"/>
-                  <a:satMod val="105000"/>
-                </a:schemeClr>
-              </a:solidFill>
-            </a:ln>
-          </c:spPr>
-          <c:invertIfNegative val="0"/>
-          <c:dLbls>
-            <c:spPr>
-              <a:noFill/>
-              <a:ln>
-                <a:noFill/>
-              </a:ln>
-              <a:effectLst/>
-            </c:spPr>
-            <c:txPr>
-              <a:bodyPr/>
-              <a:lstStyle/>
-              <a:p>
-                <a:pPr>
-                  <a:defRPr sz="1400" baseline="0"/>
-                </a:pPr>
-                <a:endParaRPr lang="en-US"/>
-              </a:p>
-            </c:txPr>
-            <c:showLegendKey val="0"/>
-            <c:showVal val="1"/>
-            <c:showCatName val="0"/>
-            <c:showSerName val="0"/>
-            <c:showPercent val="0"/>
-            <c:showBubbleSize val="0"/>
-            <c:showLeaderLines val="0"/>
-            <c:extLst>
-              <c:ext xmlns:c15="http://schemas.microsoft.com/office/drawing/2012/chart" uri="{CE6537A1-D6FC-4f65-9D91-7224C49458BB}">
-                <c15:showLeaderLines val="0"/>
-              </c:ext>
-            </c:extLst>
-          </c:dLbls>
-          <c:cat>
-            <c:multiLvlStrRef>
-              <c:f>'[counts_for poster.xlsx]Sheet15'!$A$2:$B$5</c:f>
-              <c:multiLvlStrCache>
-                <c:ptCount val="4"/>
-                <c:lvl>
-                  <c:pt idx="0">
-                    <c:v>Saline </c:v>
-                  </c:pt>
-                  <c:pt idx="1">
-                    <c:v>Silicone</c:v>
-                  </c:pt>
-                  <c:pt idx="2">
-                    <c:v>Smooth</c:v>
-                  </c:pt>
-                  <c:pt idx="3">
-                    <c:v>Textured</c:v>
-                  </c:pt>
-                </c:lvl>
-                <c:lvl>
-                  <c:pt idx="0">
-                    <c:v>Fill type</c:v>
-                  </c:pt>
-                  <c:pt idx="2">
-                    <c:v>Surface type</c:v>
-                  </c:pt>
-                </c:lvl>
-              </c:multiLvlStrCache>
-            </c:multiLvlStrRef>
-          </c:cat>
-          <c:val>
-            <c:numRef>
-              <c:f>'[counts_for poster.xlsx]Sheet15'!$D$2:$D$5</c:f>
-              <c:numCache>
-                <c:formatCode>0%</c:formatCode>
-                <c:ptCount val="4"/>
-                <c:pt idx="0">
-                  <c:v>0.44</c:v>
-                </c:pt>
-                <c:pt idx="1">
-                  <c:v>0.56000000000000005</c:v>
-                </c:pt>
-                <c:pt idx="2">
-                  <c:v>0.01</c:v>
-                </c:pt>
-                <c:pt idx="3">
-                  <c:v>0.9</c:v>
-                </c:pt>
-              </c:numCache>
-            </c:numRef>
-          </c:val>
-          <c:extLst>
-            <c:ext xmlns:c16="http://schemas.microsoft.com/office/drawing/2014/chart" uri="{C3380CC4-5D6E-409C-BE32-E72D297353CC}">
-              <c16:uniqueId val="{00000001-F0D4-47E9-A241-23F209184B96}"/>
-            </c:ext>
-          </c:extLst>
-        </c:ser>
-        <c:dLbls>
-          <c:showLegendKey val="0"/>
-          <c:showVal val="0"/>
-          <c:showCatName val="0"/>
-          <c:showSerName val="0"/>
-          <c:showPercent val="0"/>
-          <c:showBubbleSize val="0"/>
-        </c:dLbls>
-        <c:gapWidth val="150"/>
-        <c:axId val="141796480"/>
-        <c:axId val="141798016"/>
-      </c:barChart>
-      <c:catAx>
-        <c:axId val="141796480"/>
-        <c:scaling>
-          <c:orientation val="minMax"/>
-        </c:scaling>
-        <c:delete val="0"/>
-        <c:axPos val="b"/>
-        <c:numFmt formatCode="General" sourceLinked="0"/>
-        <c:majorTickMark val="none"/>
-        <c:minorTickMark val="none"/>
-        <c:tickLblPos val="nextTo"/>
-        <c:txPr>
-          <a:bodyPr/>
-          <a:lstStyle/>
-          <a:p>
-            <a:pPr>
-              <a:defRPr sz="1800" baseline="0"/>
-            </a:pPr>
-            <a:endParaRPr lang="en-US"/>
-          </a:p>
-        </c:txPr>
-        <c:crossAx val="141798016"/>
-        <c:crosses val="autoZero"/>
-        <c:auto val="1"/>
-        <c:lblAlgn val="ctr"/>
-        <c:lblOffset val="100"/>
-        <c:noMultiLvlLbl val="0"/>
-      </c:catAx>
-      <c:valAx>
-        <c:axId val="141798016"/>
-        <c:scaling>
-          <c:orientation val="minMax"/>
-        </c:scaling>
-        <c:delete val="0"/>
-        <c:axPos val="l"/>
-        <c:majorGridlines/>
-        <c:numFmt formatCode="0%" sourceLinked="0"/>
-        <c:majorTickMark val="none"/>
-        <c:minorTickMark val="none"/>
-        <c:tickLblPos val="nextTo"/>
-        <c:txPr>
-          <a:bodyPr/>
-          <a:lstStyle/>
-          <a:p>
-            <a:pPr>
-              <a:defRPr sz="1800" baseline="0"/>
-            </a:pPr>
-            <a:endParaRPr lang="en-US"/>
-          </a:p>
-        </c:txPr>
-        <c:crossAx val="141796480"/>
-        <c:crosses val="autoZero"/>
-        <c:crossBetween val="between"/>
-      </c:valAx>
-    </c:plotArea>
-    <c:legend>
-      <c:legendPos val="r"/>
-      <c:layout>
-        <c:manualLayout>
-          <c:xMode val="edge"/>
-          <c:yMode val="edge"/>
-          <c:x val="9.8687877348518416E-2"/>
-          <c:y val="3.811029928570258E-2"/>
-          <c:w val="0.33865114620099951"/>
-          <c:h val="8.5125614998610641E-2"/>
-        </c:manualLayout>
-      </c:layout>
-      <c:overlay val="0"/>
-      <c:txPr>
-        <a:bodyPr/>
-        <a:lstStyle/>
-        <a:p>
-          <a:pPr>
-            <a:defRPr sz="1600" baseline="0"/>
-          </a:pPr>
-          <a:endParaRPr lang="en-US"/>
-        </a:p>
-      </c:txPr>
-    </c:legend>
-    <c:plotVisOnly val="1"/>
-    <c:dispBlanksAs val="gap"/>
-    <c:showDLblsOverMax val="0"/>
-  </c:chart>
-  <c:txPr>
-    <a:bodyPr/>
-    <a:lstStyle/>
-    <a:p>
-      <a:pPr>
-        <a:defRPr sz="1200" b="1" i="0" baseline="0"/>
-      </a:pPr>
-      <a:endParaRPr lang="en-US"/>
-    </a:p>
-  </c:txPr>
-  <c:externalData r:id="rId1">
-    <c:autoUpdate val="0"/>
-  </c:externalData>
-</c:chartSpace>
+<file path=ppt/changesInfos/changesInfo1.xml><?xml version="1.0" encoding="utf-8"?>
+<pc:chgInfo xmlns:a="http://schemas.openxmlformats.org/drawingml/2006/main" xmlns:r="http://schemas.openxmlformats.org/officeDocument/2006/relationships" xmlns:ac="http://schemas.microsoft.com/office/drawing/2013/main/command" xmlns:pc="http://schemas.microsoft.com/office/powerpoint/2013/main/command">
+  <pc:docChgLst>
+    <pc:chgData name="Mark Jung" userId="ff6ac22caf37825e" providerId="LiveId" clId="{73B0F1DD-C270-4F97-AE49-6635EEB1337C}"/>
+    <pc:docChg chg="undo custSel modSld">
+      <pc:chgData name="Mark Jung" userId="ff6ac22caf37825e" providerId="LiveId" clId="{73B0F1DD-C270-4F97-AE49-6635EEB1337C}" dt="2018-07-24T21:38:08.121" v="3386"/>
+      <pc:docMkLst>
+        <pc:docMk/>
+      </pc:docMkLst>
+      <pc:sldChg chg="addSp delSp modSp addCm delCm modCm">
+        <pc:chgData name="Mark Jung" userId="ff6ac22caf37825e" providerId="LiveId" clId="{73B0F1DD-C270-4F97-AE49-6635EEB1337C}" dt="2018-07-24T21:38:08.121" v="3386"/>
+        <pc:sldMkLst>
+          <pc:docMk/>
+          <pc:sldMk cId="4142358591" sldId="256"/>
+        </pc:sldMkLst>
+        <pc:spChg chg="add del">
+          <ac:chgData name="Mark Jung" userId="ff6ac22caf37825e" providerId="LiveId" clId="{73B0F1DD-C270-4F97-AE49-6635EEB1337C}" dt="2018-07-24T17:30:00.415" v="5"/>
+          <ac:spMkLst>
+            <pc:docMk/>
+            <pc:sldMk cId="4142358591" sldId="256"/>
+            <ac:spMk id="5" creationId="{50A753F0-FE91-469A-B0AD-86A9E375540A}"/>
+          </ac:spMkLst>
+        </pc:spChg>
+        <pc:spChg chg="mod">
+          <ac:chgData name="Mark Jung" userId="ff6ac22caf37825e" providerId="LiveId" clId="{73B0F1DD-C270-4F97-AE49-6635EEB1337C}" dt="2018-07-24T17:31:15.840" v="22" actId="1076"/>
+          <ac:spMkLst>
+            <pc:docMk/>
+            <pc:sldMk cId="4142358591" sldId="256"/>
+            <ac:spMk id="9" creationId="{00000000-0000-0000-0000-000000000000}"/>
+          </ac:spMkLst>
+        </pc:spChg>
+        <pc:spChg chg="add mod">
+          <ac:chgData name="Mark Jung" userId="ff6ac22caf37825e" providerId="LiveId" clId="{73B0F1DD-C270-4F97-AE49-6635EEB1337C}" dt="2018-07-24T21:26:15.656" v="3144" actId="1076"/>
+          <ac:spMkLst>
+            <pc:docMk/>
+            <pc:sldMk cId="4142358591" sldId="256"/>
+            <ac:spMk id="10" creationId="{9D5D1D8C-5550-4C65-A8DA-F3DC01D6C377}"/>
+          </ac:spMkLst>
+        </pc:spChg>
+        <pc:spChg chg="mod">
+          <ac:chgData name="Mark Jung" userId="ff6ac22caf37825e" providerId="LiveId" clId="{73B0F1DD-C270-4F97-AE49-6635EEB1337C}" dt="2018-07-24T21:37:19.597" v="3379" actId="14100"/>
+          <ac:spMkLst>
+            <pc:docMk/>
+            <pc:sldMk cId="4142358591" sldId="256"/>
+            <ac:spMk id="46" creationId="{00000000-0000-0000-0000-000000000000}"/>
+          </ac:spMkLst>
+        </pc:spChg>
+        <pc:spChg chg="add del">
+          <ac:chgData name="Mark Jung" userId="ff6ac22caf37825e" providerId="LiveId" clId="{73B0F1DD-C270-4F97-AE49-6635EEB1337C}" dt="2018-07-24T17:30:00.010" v="4"/>
+          <ac:spMkLst>
+            <pc:docMk/>
+            <pc:sldMk cId="4142358591" sldId="256"/>
+            <ac:spMk id="50" creationId="{22589F8D-F936-465C-A75E-617743C4C29A}"/>
+          </ac:spMkLst>
+        </pc:spChg>
+        <pc:spChg chg="add mod">
+          <ac:chgData name="Mark Jung" userId="ff6ac22caf37825e" providerId="LiveId" clId="{73B0F1DD-C270-4F97-AE49-6635EEB1337C}" dt="2018-07-24T21:35:14.580" v="3335" actId="164"/>
+          <ac:spMkLst>
+            <pc:docMk/>
+            <pc:sldMk cId="4142358591" sldId="256"/>
+            <ac:spMk id="51" creationId="{1BD934C8-848E-469B-BBA0-E498D85DD7E1}"/>
+          </ac:spMkLst>
+        </pc:spChg>
+        <pc:spChg chg="mod">
+          <ac:chgData name="Mark Jung" userId="ff6ac22caf37825e" providerId="LiveId" clId="{73B0F1DD-C270-4F97-AE49-6635EEB1337C}" dt="2018-07-24T21:37:56.455" v="3385" actId="164"/>
+          <ac:spMkLst>
+            <pc:docMk/>
+            <pc:sldMk cId="4142358591" sldId="256"/>
+            <ac:spMk id="55" creationId="{00000000-0000-0000-0000-000000000000}"/>
+          </ac:spMkLst>
+        </pc:spChg>
+        <pc:spChg chg="add mod">
+          <ac:chgData name="Mark Jung" userId="ff6ac22caf37825e" providerId="LiveId" clId="{73B0F1DD-C270-4F97-AE49-6635EEB1337C}" dt="2018-07-24T21:29:51.544" v="3304" actId="14100"/>
+          <ac:spMkLst>
+            <pc:docMk/>
+            <pc:sldMk cId="4142358591" sldId="256"/>
+            <ac:spMk id="57" creationId="{C7D967FE-7C9C-4D47-A3DB-625E719FFB40}"/>
+          </ac:spMkLst>
+        </pc:spChg>
+        <pc:spChg chg="del">
+          <ac:chgData name="Mark Jung" userId="ff6ac22caf37825e" providerId="LiveId" clId="{73B0F1DD-C270-4F97-AE49-6635EEB1337C}" dt="2018-07-24T20:58:03.724" v="1322" actId="478"/>
+          <ac:spMkLst>
+            <pc:docMk/>
+            <pc:sldMk cId="4142358591" sldId="256"/>
+            <ac:spMk id="83" creationId="{00000000-0000-0000-0000-000000000000}"/>
+          </ac:spMkLst>
+        </pc:spChg>
+        <pc:spChg chg="mod">
+          <ac:chgData name="Mark Jung" userId="ff6ac22caf37825e" providerId="LiveId" clId="{73B0F1DD-C270-4F97-AE49-6635EEB1337C}" dt="2018-07-24T21:37:56.455" v="3385" actId="164"/>
+          <ac:spMkLst>
+            <pc:docMk/>
+            <pc:sldMk cId="4142358591" sldId="256"/>
+            <ac:spMk id="84" creationId="{00000000-0000-0000-0000-000000000000}"/>
+          </ac:spMkLst>
+        </pc:spChg>
+        <pc:spChg chg="mod">
+          <ac:chgData name="Mark Jung" userId="ff6ac22caf37825e" providerId="LiveId" clId="{73B0F1DD-C270-4F97-AE49-6635EEB1337C}" dt="2018-07-24T21:09:36.079" v="2096" actId="1076"/>
+          <ac:spMkLst>
+            <pc:docMk/>
+            <pc:sldMk cId="4142358591" sldId="256"/>
+            <ac:spMk id="88" creationId="{00000000-0000-0000-0000-000000000000}"/>
+          </ac:spMkLst>
+        </pc:spChg>
+        <pc:spChg chg="mod">
+          <ac:chgData name="Mark Jung" userId="ff6ac22caf37825e" providerId="LiveId" clId="{73B0F1DD-C270-4F97-AE49-6635EEB1337C}" dt="2018-07-24T21:31:58.395" v="3323" actId="164"/>
+          <ac:spMkLst>
+            <pc:docMk/>
+            <pc:sldMk cId="4142358591" sldId="256"/>
+            <ac:spMk id="89" creationId="{00000000-0000-0000-0000-000000000000}"/>
+          </ac:spMkLst>
+        </pc:spChg>
+        <pc:spChg chg="mod">
+          <ac:chgData name="Mark Jung" userId="ff6ac22caf37825e" providerId="LiveId" clId="{73B0F1DD-C270-4F97-AE49-6635EEB1337C}" dt="2018-07-24T21:28:12.547" v="3187" actId="20577"/>
+          <ac:spMkLst>
+            <pc:docMk/>
+            <pc:sldMk cId="4142358591" sldId="256"/>
+            <ac:spMk id="91" creationId="{00000000-0000-0000-0000-000000000000}"/>
+          </ac:spMkLst>
+        </pc:spChg>
+        <pc:spChg chg="mod">
+          <ac:chgData name="Mark Jung" userId="ff6ac22caf37825e" providerId="LiveId" clId="{73B0F1DD-C270-4F97-AE49-6635EEB1337C}" dt="2018-07-24T21:31:06.568" v="3316" actId="948"/>
+          <ac:spMkLst>
+            <pc:docMk/>
+            <pc:sldMk cId="4142358591" sldId="256"/>
+            <ac:spMk id="93" creationId="{00000000-0000-0000-0000-000000000000}"/>
+          </ac:spMkLst>
+        </pc:spChg>
+        <pc:spChg chg="mod">
+          <ac:chgData name="Mark Jung" userId="ff6ac22caf37825e" providerId="LiveId" clId="{73B0F1DD-C270-4F97-AE49-6635EEB1337C}" dt="2018-07-24T21:26:03.408" v="3142" actId="1076"/>
+          <ac:spMkLst>
+            <pc:docMk/>
+            <pc:sldMk cId="4142358591" sldId="256"/>
+            <ac:spMk id="94" creationId="{00000000-0000-0000-0000-000000000000}"/>
+          </ac:spMkLst>
+        </pc:spChg>
+        <pc:spChg chg="del mod">
+          <ac:chgData name="Mark Jung" userId="ff6ac22caf37825e" providerId="LiveId" clId="{73B0F1DD-C270-4F97-AE49-6635EEB1337C}" dt="2018-07-24T21:32:39.515" v="3333" actId="478"/>
+          <ac:spMkLst>
+            <pc:docMk/>
+            <pc:sldMk cId="4142358591" sldId="256"/>
+            <ac:spMk id="100" creationId="{00000000-0000-0000-0000-000000000000}"/>
+          </ac:spMkLst>
+        </pc:spChg>
+        <pc:spChg chg="mod">
+          <ac:chgData name="Mark Jung" userId="ff6ac22caf37825e" providerId="LiveId" clId="{73B0F1DD-C270-4F97-AE49-6635EEB1337C}" dt="2018-07-24T21:26:35.208" v="3150" actId="14100"/>
+          <ac:spMkLst>
+            <pc:docMk/>
+            <pc:sldMk cId="4142358591" sldId="256"/>
+            <ac:spMk id="102" creationId="{00000000-0000-0000-0000-000000000000}"/>
+          </ac:spMkLst>
+        </pc:spChg>
+        <pc:spChg chg="mod">
+          <ac:chgData name="Mark Jung" userId="ff6ac22caf37825e" providerId="LiveId" clId="{73B0F1DD-C270-4F97-AE49-6635EEB1337C}" dt="2018-07-24T21:26:20.496" v="3146" actId="14100"/>
+          <ac:spMkLst>
+            <pc:docMk/>
+            <pc:sldMk cId="4142358591" sldId="256"/>
+            <ac:spMk id="103" creationId="{00000000-0000-0000-0000-000000000000}"/>
+          </ac:spMkLst>
+        </pc:spChg>
+        <pc:spChg chg="mod">
+          <ac:chgData name="Mark Jung" userId="ff6ac22caf37825e" providerId="LiveId" clId="{73B0F1DD-C270-4F97-AE49-6635EEB1337C}" dt="2018-07-24T20:46:56.021" v="485" actId="20577"/>
+          <ac:spMkLst>
+            <pc:docMk/>
+            <pc:sldMk cId="4142358591" sldId="256"/>
+            <ac:spMk id="106" creationId="{00000000-0000-0000-0000-000000000000}"/>
+          </ac:spMkLst>
+        </pc:spChg>
+        <pc:spChg chg="del mod">
+          <ac:chgData name="Mark Jung" userId="ff6ac22caf37825e" providerId="LiveId" clId="{73B0F1DD-C270-4F97-AE49-6635EEB1337C}" dt="2018-07-24T17:29:55.290" v="1" actId="478"/>
+          <ac:spMkLst>
+            <pc:docMk/>
+            <pc:sldMk cId="4142358591" sldId="256"/>
+            <ac:spMk id="109" creationId="{00000000-0000-0000-0000-000000000000}"/>
+          </ac:spMkLst>
+        </pc:spChg>
+        <pc:spChg chg="mod">
+          <ac:chgData name="Mark Jung" userId="ff6ac22caf37825e" providerId="LiveId" clId="{73B0F1DD-C270-4F97-AE49-6635EEB1337C}" dt="2018-07-24T21:27:32.944" v="3164" actId="14100"/>
+          <ac:spMkLst>
+            <pc:docMk/>
+            <pc:sldMk cId="4142358591" sldId="256"/>
+            <ac:spMk id="123" creationId="{FDF4760C-1C5F-4A89-801B-6C61ACBAA9FD}"/>
+          </ac:spMkLst>
+        </pc:spChg>
+        <pc:spChg chg="del mod">
+          <ac:chgData name="Mark Jung" userId="ff6ac22caf37825e" providerId="LiveId" clId="{73B0F1DD-C270-4F97-AE49-6635EEB1337C}" dt="2018-07-24T21:30:10.679" v="3307" actId="478"/>
+          <ac:spMkLst>
+            <pc:docMk/>
+            <pc:sldMk cId="4142358591" sldId="256"/>
+            <ac:spMk id="129" creationId="{409E55FD-A3F4-47D0-B098-3834CAA88454}"/>
+          </ac:spMkLst>
+        </pc:spChg>
+        <pc:spChg chg="mod">
+          <ac:chgData name="Mark Jung" userId="ff6ac22caf37825e" providerId="LiveId" clId="{73B0F1DD-C270-4F97-AE49-6635EEB1337C}" dt="2018-07-24T21:36:53.743" v="3374" actId="20577"/>
+          <ac:spMkLst>
+            <pc:docMk/>
+            <pc:sldMk cId="4142358591" sldId="256"/>
+            <ac:spMk id="130" creationId="{10ECF47A-EB8B-4F59-BE72-857556D6EFFE}"/>
+          </ac:spMkLst>
+        </pc:spChg>
+        <pc:spChg chg="mod">
+          <ac:chgData name="Mark Jung" userId="ff6ac22caf37825e" providerId="LiveId" clId="{73B0F1DD-C270-4F97-AE49-6635EEB1337C}" dt="2018-07-24T21:27:12.892" v="3159" actId="164"/>
+          <ac:spMkLst>
+            <pc:docMk/>
+            <pc:sldMk cId="4142358591" sldId="256"/>
+            <ac:spMk id="171" creationId="{00000000-0000-0000-0000-000000000000}"/>
+          </ac:spMkLst>
+        </pc:spChg>
+        <pc:spChg chg="mod">
+          <ac:chgData name="Mark Jung" userId="ff6ac22caf37825e" providerId="LiveId" clId="{73B0F1DD-C270-4F97-AE49-6635EEB1337C}" dt="2018-07-24T21:16:26.725" v="2577" actId="14100"/>
+          <ac:spMkLst>
+            <pc:docMk/>
+            <pc:sldMk cId="4142358591" sldId="256"/>
+            <ac:spMk id="188" creationId="{00000000-0000-0000-0000-000000000000}"/>
+          </ac:spMkLst>
+        </pc:spChg>
+        <pc:spChg chg="del mod">
+          <ac:chgData name="Mark Jung" userId="ff6ac22caf37825e" providerId="LiveId" clId="{73B0F1DD-C270-4F97-AE49-6635EEB1337C}" dt="2018-07-24T20:57:47.620" v="1319" actId="478"/>
+          <ac:spMkLst>
+            <pc:docMk/>
+            <pc:sldMk cId="4142358591" sldId="256"/>
+            <ac:spMk id="190" creationId="{00000000-0000-0000-0000-000000000000}"/>
+          </ac:spMkLst>
+        </pc:spChg>
+        <pc:spChg chg="del">
+          <ac:chgData name="Mark Jung" userId="ff6ac22caf37825e" providerId="LiveId" clId="{73B0F1DD-C270-4F97-AE49-6635EEB1337C}" dt="2018-07-24T21:27:29.170" v="3163" actId="478"/>
+          <ac:spMkLst>
+            <pc:docMk/>
+            <pc:sldMk cId="4142358591" sldId="256"/>
+            <ac:spMk id="193" creationId="{00000000-0000-0000-0000-000000000000}"/>
+          </ac:spMkLst>
+        </pc:spChg>
+        <pc:spChg chg="mod">
+          <ac:chgData name="Mark Jung" userId="ff6ac22caf37825e" providerId="LiveId" clId="{73B0F1DD-C270-4F97-AE49-6635EEB1337C}" dt="2018-07-24T21:24:24.019" v="2957" actId="164"/>
+          <ac:spMkLst>
+            <pc:docMk/>
+            <pc:sldMk cId="4142358591" sldId="256"/>
+            <ac:spMk id="200" creationId="{00000000-0000-0000-0000-000000000000}"/>
+          </ac:spMkLst>
+        </pc:spChg>
+        <pc:spChg chg="mod">
+          <ac:chgData name="Mark Jung" userId="ff6ac22caf37825e" providerId="LiveId" clId="{73B0F1DD-C270-4F97-AE49-6635EEB1337C}" dt="2018-07-24T21:26:06.969" v="3143" actId="14100"/>
+          <ac:spMkLst>
+            <pc:docMk/>
+            <pc:sldMk cId="4142358591" sldId="256"/>
+            <ac:spMk id="205" creationId="{00000000-0000-0000-0000-000000000000}"/>
+          </ac:spMkLst>
+        </pc:spChg>
+        <pc:spChg chg="mod">
+          <ac:chgData name="Mark Jung" userId="ff6ac22caf37825e" providerId="LiveId" clId="{73B0F1DD-C270-4F97-AE49-6635EEB1337C}" dt="2018-07-24T20:56:00.218" v="1318" actId="20577"/>
+          <ac:spMkLst>
+            <pc:docMk/>
+            <pc:sldMk cId="4142358591" sldId="256"/>
+            <ac:spMk id="215" creationId="{00000000-0000-0000-0000-000000000000}"/>
+          </ac:spMkLst>
+        </pc:spChg>
+        <pc:spChg chg="mod">
+          <ac:chgData name="Mark Jung" userId="ff6ac22caf37825e" providerId="LiveId" clId="{73B0F1DD-C270-4F97-AE49-6635EEB1337C}" dt="2018-07-24T21:35:14.580" v="3335" actId="164"/>
+          <ac:spMkLst>
+            <pc:docMk/>
+            <pc:sldMk cId="4142358591" sldId="256"/>
+            <ac:spMk id="238" creationId="{00000000-0000-0000-0000-000000000000}"/>
+          </ac:spMkLst>
+        </pc:spChg>
+        <pc:spChg chg="del">
+          <ac:chgData name="Mark Jung" userId="ff6ac22caf37825e" providerId="LiveId" clId="{73B0F1DD-C270-4F97-AE49-6635EEB1337C}" dt="2018-07-24T21:09:43.221" v="2098" actId="478"/>
+          <ac:spMkLst>
+            <pc:docMk/>
+            <pc:sldMk cId="4142358591" sldId="256"/>
+            <ac:spMk id="243" creationId="{00000000-0000-0000-0000-000000000000}"/>
+          </ac:spMkLst>
+        </pc:spChg>
+        <pc:grpChg chg="add mod">
+          <ac:chgData name="Mark Jung" userId="ff6ac22caf37825e" providerId="LiveId" clId="{73B0F1DD-C270-4F97-AE49-6635EEB1337C}" dt="2018-07-24T21:26:00.576" v="3141" actId="1076"/>
+          <ac:grpSpMkLst>
+            <pc:docMk/>
+            <pc:sldMk cId="4142358591" sldId="256"/>
+            <ac:grpSpMk id="11" creationId="{93F0EC83-52EF-4AE7-9AA8-779877798B59}"/>
+          </ac:grpSpMkLst>
+        </pc:grpChg>
+        <pc:grpChg chg="add mod ord">
+          <ac:chgData name="Mark Jung" userId="ff6ac22caf37825e" providerId="LiveId" clId="{73B0F1DD-C270-4F97-AE49-6635EEB1337C}" dt="2018-07-24T21:31:58.395" v="3323" actId="164"/>
+          <ac:grpSpMkLst>
+            <pc:docMk/>
+            <pc:sldMk cId="4142358591" sldId="256"/>
+            <ac:grpSpMk id="12" creationId="{96121764-2C02-43E7-8D48-660DFCC68DF2}"/>
+          </ac:grpSpMkLst>
+        </pc:grpChg>
+        <pc:grpChg chg="add mod">
+          <ac:chgData name="Mark Jung" userId="ff6ac22caf37825e" providerId="LiveId" clId="{73B0F1DD-C270-4F97-AE49-6635EEB1337C}" dt="2018-07-24T21:32:18.991" v="3330" actId="14100"/>
+          <ac:grpSpMkLst>
+            <pc:docMk/>
+            <pc:sldMk cId="4142358591" sldId="256"/>
+            <ac:grpSpMk id="13" creationId="{E971DDD7-399E-4176-AF05-5D8AA447F033}"/>
+          </ac:grpSpMkLst>
+        </pc:grpChg>
+        <pc:grpChg chg="add mod ord">
+          <ac:chgData name="Mark Jung" userId="ff6ac22caf37825e" providerId="LiveId" clId="{73B0F1DD-C270-4F97-AE49-6635EEB1337C}" dt="2018-07-24T21:35:20.946" v="3338" actId="167"/>
+          <ac:grpSpMkLst>
+            <pc:docMk/>
+            <pc:sldMk cId="4142358591" sldId="256"/>
+            <ac:grpSpMk id="14" creationId="{56A1EFB6-5420-4741-BEE8-A25FB6E430D0}"/>
+          </ac:grpSpMkLst>
+        </pc:grpChg>
+        <pc:grpChg chg="add mod">
+          <ac:chgData name="Mark Jung" userId="ff6ac22caf37825e" providerId="LiveId" clId="{73B0F1DD-C270-4F97-AE49-6635EEB1337C}" dt="2018-07-24T21:37:56.455" v="3385" actId="164"/>
+          <ac:grpSpMkLst>
+            <pc:docMk/>
+            <pc:sldMk cId="4142358591" sldId="256"/>
+            <ac:grpSpMk id="15" creationId="{088B4C34-A61F-45E1-8C7F-C979ED79E8F7}"/>
+          </ac:grpSpMkLst>
+        </pc:grpChg>
+        <pc:graphicFrameChg chg="del">
+          <ac:chgData name="Mark Jung" userId="ff6ac22caf37825e" providerId="LiveId" clId="{73B0F1DD-C270-4F97-AE49-6635EEB1337C}" dt="2018-07-24T20:44:51.268" v="345" actId="478"/>
+          <ac:graphicFrameMkLst>
+            <pc:docMk/>
+            <pc:sldMk cId="4142358591" sldId="256"/>
+            <ac:graphicFrameMk id="108" creationId="{00000000-0000-0000-0000-000000000000}"/>
+          </ac:graphicFrameMkLst>
+        </pc:graphicFrameChg>
+        <pc:graphicFrameChg chg="del mod">
+          <ac:chgData name="Mark Jung" userId="ff6ac22caf37825e" providerId="LiveId" clId="{73B0F1DD-C270-4F97-AE49-6635EEB1337C}" dt="2018-07-24T20:58:05.480" v="1323" actId="478"/>
+          <ac:graphicFrameMkLst>
+            <pc:docMk/>
+            <pc:sldMk cId="4142358591" sldId="256"/>
+            <ac:graphicFrameMk id="239" creationId="{00000000-0000-0000-0000-000000000000}"/>
+          </ac:graphicFrameMkLst>
+        </pc:graphicFrameChg>
+        <pc:picChg chg="del mod">
+          <ac:chgData name="Mark Jung" userId="ff6ac22caf37825e" providerId="LiveId" clId="{73B0F1DD-C270-4F97-AE49-6635EEB1337C}" dt="2018-07-24T21:09:41.377" v="2097" actId="478"/>
+          <ac:picMkLst>
+            <pc:docMk/>
+            <pc:sldMk cId="4142358591" sldId="256"/>
+            <ac:picMk id="2" creationId="{00000000-0000-0000-0000-000000000000}"/>
+          </ac:picMkLst>
+        </pc:picChg>
+        <pc:picChg chg="mod">
+          <ac:chgData name="Mark Jung" userId="ff6ac22caf37825e" providerId="LiveId" clId="{73B0F1DD-C270-4F97-AE49-6635EEB1337C}" dt="2018-07-24T21:29:49.591" v="3303" actId="1076"/>
+          <ac:picMkLst>
+            <pc:docMk/>
+            <pc:sldMk cId="4142358591" sldId="256"/>
+            <ac:picMk id="4" creationId="{00000000-0000-0000-0000-000000000000}"/>
+          </ac:picMkLst>
+        </pc:picChg>
+        <pc:picChg chg="add mod modCrop">
+          <ac:chgData name="Mark Jung" userId="ff6ac22caf37825e" providerId="LiveId" clId="{73B0F1DD-C270-4F97-AE49-6635EEB1337C}" dt="2018-07-24T21:26:18.232" v="3145" actId="1076"/>
+          <ac:picMkLst>
+            <pc:docMk/>
+            <pc:sldMk cId="4142358591" sldId="256"/>
+            <ac:picMk id="8" creationId="{DCB4DCCD-FA8C-4A05-9C36-DB44B76FD86C}"/>
+          </ac:picMkLst>
+        </pc:picChg>
+      </pc:sldChg>
+    </pc:docChg>
+  </pc:docChgLst>
+</pc:chgInfo>
 </file>
 
 <file path=ppt/notesMasters/notesMaster1.xml><?xml version="1.0" encoding="utf-8"?>
@@ -874,7 +589,7 @@
           <a:p>
             <a:fld id="{7DC4AEA5-E67E-456F-9A6C-1CCC4577F26C}" type="datetimeFigureOut">
               <a:rPr lang="en-US" smtClean="0"/>
-              <a:t>7/13/2018</a:t>
+              <a:t>7/24/2018</a:t>
             </a:fld>
             <a:endParaRPr lang="en-US" dirty="0"/>
           </a:p>
@@ -1404,7 +1119,7 @@
           <a:p>
             <a:fld id="{F200D0D5-B6C9-48A5-A977-A188F02979AA}" type="datetimeFigureOut">
               <a:rPr lang="en-US" smtClean="0"/>
-              <a:t>7/13/2018</a:t>
+              <a:t>7/24/2018</a:t>
             </a:fld>
             <a:endParaRPr lang="en-US" dirty="0"/>
           </a:p>
@@ -1572,7 +1287,7 @@
           <a:p>
             <a:fld id="{F200D0D5-B6C9-48A5-A977-A188F02979AA}" type="datetimeFigureOut">
               <a:rPr lang="en-US" smtClean="0"/>
-              <a:t>7/13/2018</a:t>
+              <a:t>7/24/2018</a:t>
             </a:fld>
             <a:endParaRPr lang="en-US" dirty="0"/>
           </a:p>
@@ -1750,7 +1465,7 @@
           <a:p>
             <a:fld id="{F200D0D5-B6C9-48A5-A977-A188F02979AA}" type="datetimeFigureOut">
               <a:rPr lang="en-US" smtClean="0"/>
-              <a:t>7/13/2018</a:t>
+              <a:t>7/24/2018</a:t>
             </a:fld>
             <a:endParaRPr lang="en-US" dirty="0"/>
           </a:p>
@@ -1918,7 +1633,7 @@
           <a:p>
             <a:fld id="{F200D0D5-B6C9-48A5-A977-A188F02979AA}" type="datetimeFigureOut">
               <a:rPr lang="en-US" smtClean="0"/>
-              <a:t>7/13/2018</a:t>
+              <a:t>7/24/2018</a:t>
             </a:fld>
             <a:endParaRPr lang="en-US" dirty="0"/>
           </a:p>
@@ -2163,7 +1878,7 @@
           <a:p>
             <a:fld id="{F200D0D5-B6C9-48A5-A977-A188F02979AA}" type="datetimeFigureOut">
               <a:rPr lang="en-US" smtClean="0"/>
-              <a:t>7/13/2018</a:t>
+              <a:t>7/24/2018</a:t>
             </a:fld>
             <a:endParaRPr lang="en-US" dirty="0"/>
           </a:p>
@@ -2448,7 +2163,7 @@
           <a:p>
             <a:fld id="{F200D0D5-B6C9-48A5-A977-A188F02979AA}" type="datetimeFigureOut">
               <a:rPr lang="en-US" smtClean="0"/>
-              <a:t>7/13/2018</a:t>
+              <a:t>7/24/2018</a:t>
             </a:fld>
             <a:endParaRPr lang="en-US" dirty="0"/>
           </a:p>
@@ -2867,7 +2582,7 @@
           <a:p>
             <a:fld id="{F200D0D5-B6C9-48A5-A977-A188F02979AA}" type="datetimeFigureOut">
               <a:rPr lang="en-US" smtClean="0"/>
-              <a:t>7/13/2018</a:t>
+              <a:t>7/24/2018</a:t>
             </a:fld>
             <a:endParaRPr lang="en-US" dirty="0"/>
           </a:p>
@@ -2984,7 +2699,7 @@
           <a:p>
             <a:fld id="{F200D0D5-B6C9-48A5-A977-A188F02979AA}" type="datetimeFigureOut">
               <a:rPr lang="en-US" smtClean="0"/>
-              <a:t>7/13/2018</a:t>
+              <a:t>7/24/2018</a:t>
             </a:fld>
             <a:endParaRPr lang="en-US" dirty="0"/>
           </a:p>
@@ -3079,7 +2794,7 @@
           <a:p>
             <a:fld id="{F200D0D5-B6C9-48A5-A977-A188F02979AA}" type="datetimeFigureOut">
               <a:rPr lang="en-US" smtClean="0"/>
-              <a:t>7/13/2018</a:t>
+              <a:t>7/24/2018</a:t>
             </a:fld>
             <a:endParaRPr lang="en-US" dirty="0"/>
           </a:p>
@@ -3354,7 +3069,7 @@
           <a:p>
             <a:fld id="{F200D0D5-B6C9-48A5-A977-A188F02979AA}" type="datetimeFigureOut">
               <a:rPr lang="en-US" smtClean="0"/>
-              <a:t>7/13/2018</a:t>
+              <a:t>7/24/2018</a:t>
             </a:fld>
             <a:endParaRPr lang="en-US" dirty="0"/>
           </a:p>
@@ -3606,7 +3321,7 @@
           <a:p>
             <a:fld id="{F200D0D5-B6C9-48A5-A977-A188F02979AA}" type="datetimeFigureOut">
               <a:rPr lang="en-US" smtClean="0"/>
-              <a:t>7/13/2018</a:t>
+              <a:t>7/24/2018</a:t>
             </a:fld>
             <a:endParaRPr lang="en-US" dirty="0"/>
           </a:p>
@@ -3817,7 +3532,7 @@
           <a:p>
             <a:fld id="{F200D0D5-B6C9-48A5-A977-A188F02979AA}" type="datetimeFigureOut">
               <a:rPr lang="en-US" smtClean="0"/>
-              <a:t>7/13/2018</a:t>
+              <a:t>7/24/2018</a:t>
             </a:fld>
             <a:endParaRPr lang="en-US" dirty="0"/>
           </a:p>
@@ -4192,6 +3907,130 @@
           <a:chExt cx="0" cy="0"/>
         </a:xfrm>
       </p:grpSpPr>
+      <p:grpSp>
+        <p:nvGrpSpPr>
+          <p:cNvPr id="14" name="Group 13">
+            <a:extLst>
+              <a:ext uri="{FF2B5EF4-FFF2-40B4-BE49-F238E27FC236}">
+                <a16:creationId xmlns:a16="http://schemas.microsoft.com/office/drawing/2014/main" id="{56A1EFB6-5420-4741-BEE8-A25FB6E430D0}"/>
+              </a:ext>
+            </a:extLst>
+          </p:cNvPr>
+          <p:cNvGrpSpPr/>
+          <p:nvPr/>
+        </p:nvGrpSpPr>
+        <p:grpSpPr>
+          <a:xfrm>
+            <a:off x="16573569" y="29121096"/>
+            <a:ext cx="18507075" cy="6995865"/>
+            <a:chOff x="16502062" y="29538293"/>
+            <a:chExt cx="18507075" cy="6756693"/>
+          </a:xfrm>
+        </p:grpSpPr>
+        <p:sp>
+          <p:nvSpPr>
+            <p:cNvPr id="238" name="Rectangle 237"/>
+            <p:cNvSpPr/>
+            <p:nvPr/>
+          </p:nvSpPr>
+          <p:spPr>
+            <a:xfrm>
+              <a:off x="16502062" y="29538293"/>
+              <a:ext cx="18507075" cy="6756693"/>
+            </a:xfrm>
+            <a:prstGeom prst="rect">
+              <a:avLst/>
+            </a:prstGeom>
+            <a:solidFill>
+              <a:schemeClr val="accent1">
+                <a:lumMod val="20000"/>
+                <a:lumOff val="80000"/>
+                <a:alpha val="94000"/>
+              </a:schemeClr>
+            </a:solidFill>
+            <a:ln>
+              <a:noFill/>
+            </a:ln>
+          </p:spPr>
+          <p:style>
+            <a:lnRef idx="2">
+              <a:schemeClr val="accent1">
+                <a:shade val="50000"/>
+              </a:schemeClr>
+            </a:lnRef>
+            <a:fillRef idx="1">
+              <a:schemeClr val="accent1"/>
+            </a:fillRef>
+            <a:effectRef idx="0">
+              <a:schemeClr val="accent1"/>
+            </a:effectRef>
+            <a:fontRef idx="minor">
+              <a:schemeClr val="lt1"/>
+            </a:fontRef>
+          </p:style>
+          <p:txBody>
+            <a:bodyPr lIns="496382" tIns="248191" rIns="496382" bIns="248191" spcCol="0" rtlCol="0" anchor="ctr"/>
+            <a:lstStyle/>
+            <a:p>
+              <a:pPr algn="ctr"/>
+              <a:endParaRPr lang="en-US" dirty="0"/>
+            </a:p>
+          </p:txBody>
+        </p:sp>
+        <p:sp>
+          <p:nvSpPr>
+            <p:cNvPr id="51" name="Rectangle 50">
+              <a:extLst>
+                <a:ext uri="{FF2B5EF4-FFF2-40B4-BE49-F238E27FC236}">
+                  <a16:creationId xmlns:a16="http://schemas.microsoft.com/office/drawing/2014/main" id="{1BD934C8-848E-469B-BBA0-E498D85DD7E1}"/>
+                </a:ext>
+              </a:extLst>
+            </p:cNvPr>
+            <p:cNvSpPr/>
+            <p:nvPr/>
+          </p:nvSpPr>
+          <p:spPr>
+            <a:xfrm>
+              <a:off x="16522098" y="29538293"/>
+              <a:ext cx="18467002" cy="672309"/>
+            </a:xfrm>
+            <a:prstGeom prst="rect">
+              <a:avLst/>
+            </a:prstGeom>
+            <a:solidFill>
+              <a:srgbClr val="F59B00"/>
+            </a:solidFill>
+            <a:ln>
+              <a:noFill/>
+            </a:ln>
+            <a:effectLst/>
+          </p:spPr>
+          <p:style>
+            <a:lnRef idx="3">
+              <a:schemeClr val="lt1"/>
+            </a:lnRef>
+            <a:fillRef idx="1">
+              <a:schemeClr val="accent1"/>
+            </a:fillRef>
+            <a:effectRef idx="1">
+              <a:schemeClr val="accent1"/>
+            </a:effectRef>
+            <a:fontRef idx="minor">
+              <a:schemeClr val="lt1"/>
+            </a:fontRef>
+          </p:style>
+          <p:txBody>
+            <a:bodyPr rtlCol="0" anchor="ctr"/>
+            <a:lstStyle/>
+            <a:p>
+              <a:r>
+                <a:rPr lang="en-US" sz="4000" b="1" dirty="0"/>
+                <a:t>Distribution of Device Characteristics</a:t>
+              </a:r>
+            </a:p>
+          </p:txBody>
+        </p:sp>
+      </p:grpSp>
       <p:pic>
         <p:nvPicPr>
           <p:cNvPr id="1046" name="Picture 22" descr="http://www.drtoddcase.com/images/istock-images/mentor-silicone-breast-implant-moderate-smooth.jpg?sfvrsn=0">
@@ -4254,14 +4093,14 @@
       </p:pic>
       <p:sp>
         <p:nvSpPr>
-          <p:cNvPr id="238" name="Rectangle 237"/>
+          <p:cNvPr id="188" name="Rectangle 187"/>
           <p:cNvSpPr/>
           <p:nvPr/>
         </p:nvSpPr>
         <p:spPr>
           <a:xfrm>
-            <a:off x="16547187" y="26014346"/>
-            <a:ext cx="18507075" cy="10104454"/>
+            <a:off x="16568575" y="14721007"/>
+            <a:ext cx="18486437" cy="14047242"/>
           </a:xfrm>
           <a:prstGeom prst="rect">
             <a:avLst/>
@@ -4298,158 +4137,11 @@
           <a:lstStyle/>
           <a:p>
             <a:pPr algn="ctr"/>
-            <a:endParaRPr lang="en-US" dirty="0"/>
-          </a:p>
-        </p:txBody>
-      </p:sp>
-      <p:sp>
-        <p:nvSpPr>
-          <p:cNvPr id="55" name="Snip Single Corner Rectangle 54"/>
-          <p:cNvSpPr/>
-          <p:nvPr/>
-        </p:nvSpPr>
-        <p:spPr>
-          <a:xfrm>
-            <a:off x="536785" y="6851956"/>
-            <a:ext cx="15594213" cy="12229470"/>
-          </a:xfrm>
-          <a:prstGeom prst="snip1Rect">
-            <a:avLst>
-              <a:gd name="adj" fmla="val 18560"/>
-            </a:avLst>
-          </a:prstGeom>
-          <a:solidFill>
-            <a:schemeClr val="accent1">
-              <a:lumMod val="20000"/>
-              <a:lumOff val="80000"/>
-              <a:alpha val="94000"/>
-            </a:schemeClr>
-          </a:solidFill>
-          <a:ln>
-            <a:noFill/>
-          </a:ln>
-        </p:spPr>
-        <p:style>
-          <a:lnRef idx="2">
-            <a:schemeClr val="accent1">
-              <a:shade val="50000"/>
-            </a:schemeClr>
-          </a:lnRef>
-          <a:fillRef idx="1">
-            <a:schemeClr val="accent1"/>
-          </a:fillRef>
-          <a:effectRef idx="0">
-            <a:schemeClr val="accent1"/>
-          </a:effectRef>
-          <a:fontRef idx="minor">
-            <a:schemeClr val="lt1"/>
-          </a:fontRef>
-        </p:style>
-        <p:txBody>
-          <a:bodyPr rtlCol="0" anchor="ctr"/>
-          <a:lstStyle/>
-          <a:p>
-            <a:pPr algn="ctr"/>
-            <a:endParaRPr lang="en-US" dirty="0"/>
-          </a:p>
-        </p:txBody>
-      </p:sp>
-      <p:sp>
-        <p:nvSpPr>
-          <p:cNvPr id="200" name="Rectangle 199"/>
-          <p:cNvSpPr/>
-          <p:nvPr/>
-        </p:nvSpPr>
-        <p:spPr>
-          <a:xfrm>
-            <a:off x="35505695" y="26393303"/>
-            <a:ext cx="13303249" cy="4952658"/>
-          </a:xfrm>
-          <a:prstGeom prst="rect">
-            <a:avLst/>
-          </a:prstGeom>
-          <a:solidFill>
-            <a:schemeClr val="accent1">
-              <a:lumMod val="20000"/>
-              <a:lumOff val="80000"/>
-            </a:schemeClr>
-          </a:solidFill>
-          <a:ln>
-            <a:noFill/>
-          </a:ln>
-        </p:spPr>
-        <p:style>
-          <a:lnRef idx="2">
-            <a:schemeClr val="accent1">
-              <a:shade val="50000"/>
-            </a:schemeClr>
-          </a:lnRef>
-          <a:fillRef idx="1">
-            <a:schemeClr val="accent1"/>
-          </a:fillRef>
-          <a:effectRef idx="0">
-            <a:schemeClr val="accent1"/>
-          </a:effectRef>
-          <a:fontRef idx="minor">
-            <a:schemeClr val="lt1"/>
-          </a:fontRef>
-        </p:style>
-        <p:txBody>
-          <a:bodyPr lIns="496382" tIns="248191" rIns="496382" bIns="248191" spcCol="0" rtlCol="0" anchor="ctr"/>
-          <a:lstStyle/>
-          <a:p>
-            <a:pPr algn="ctr"/>
-            <a:endParaRPr lang="en-US" dirty="0"/>
-          </a:p>
-        </p:txBody>
-      </p:sp>
-      <p:sp>
-        <p:nvSpPr>
-          <p:cNvPr id="188" name="Rectangle 187"/>
-          <p:cNvSpPr/>
-          <p:nvPr/>
-        </p:nvSpPr>
-        <p:spPr>
-          <a:xfrm>
-            <a:off x="16568575" y="14721007"/>
-            <a:ext cx="18486437" cy="10850972"/>
-          </a:xfrm>
-          <a:prstGeom prst="rect">
-            <a:avLst/>
-          </a:prstGeom>
-          <a:solidFill>
-            <a:schemeClr val="accent1">
-              <a:lumMod val="20000"/>
-              <a:lumOff val="80000"/>
-              <a:alpha val="94000"/>
-            </a:schemeClr>
-          </a:solidFill>
-          <a:ln>
-            <a:noFill/>
-          </a:ln>
-        </p:spPr>
-        <p:style>
-          <a:lnRef idx="2">
-            <a:schemeClr val="accent1">
-              <a:shade val="50000"/>
-            </a:schemeClr>
-          </a:lnRef>
-          <a:fillRef idx="1">
-            <a:schemeClr val="accent1"/>
-          </a:fillRef>
-          <a:effectRef idx="0">
-            <a:schemeClr val="accent1"/>
-          </a:effectRef>
-          <a:fontRef idx="minor">
-            <a:schemeClr val="lt1"/>
-          </a:fontRef>
-        </p:style>
-        <p:txBody>
-          <a:bodyPr lIns="496382" tIns="248191" rIns="496382" bIns="248191" spcCol="0" rtlCol="0" anchor="ctr"/>
-          <a:lstStyle/>
-          <a:p>
-            <a:pPr algn="ctr"/>
-            <a:endParaRPr lang="en-US" dirty="0"/>
+            <a:endParaRPr lang="en-US" sz="4400" dirty="0">
+              <a:solidFill>
+                <a:schemeClr val="tx1"/>
+              </a:solidFill>
+            </a:endParaRPr>
           </a:p>
         </p:txBody>
       </p:sp>
@@ -4730,205 +4422,308 @@
           </a:p>
         </p:txBody>
       </p:sp>
-      <p:sp>
-        <p:nvSpPr>
-          <p:cNvPr id="84" name="Snip and Round Single Corner Rectangle 83"/>
-          <p:cNvSpPr/>
+      <p:grpSp>
+        <p:nvGrpSpPr>
+          <p:cNvPr id="15" name="Group 14">
+            <a:extLst>
+              <a:ext uri="{FF2B5EF4-FFF2-40B4-BE49-F238E27FC236}">
+                <a16:creationId xmlns:a16="http://schemas.microsoft.com/office/drawing/2014/main" id="{088B4C34-A61F-45E1-8C7F-C979ED79E8F7}"/>
+              </a:ext>
+            </a:extLst>
+          </p:cNvPr>
+          <p:cNvGrpSpPr/>
           <p:nvPr/>
-        </p:nvSpPr>
-        <p:spPr>
+        </p:nvGrpSpPr>
+        <p:grpSpPr>
           <a:xfrm>
             <a:off x="533605" y="6851954"/>
-            <a:ext cx="14421319" cy="1070783"/>
+            <a:ext cx="15597393" cy="12229472"/>
+            <a:chOff x="533605" y="6851954"/>
+            <a:chExt cx="15597393" cy="12229472"/>
           </a:xfrm>
-          <a:custGeom>
-            <a:avLst/>
-            <a:gdLst>
-              <a:gd name="connsiteX0" fmla="*/ 0 w 14341940"/>
-              <a:gd name="connsiteY0" fmla="*/ 0 h 907065"/>
-              <a:gd name="connsiteX1" fmla="*/ 13888408 w 14341940"/>
-              <a:gd name="connsiteY1" fmla="*/ 0 h 907065"/>
-              <a:gd name="connsiteX2" fmla="*/ 14341940 w 14341940"/>
-              <a:gd name="connsiteY2" fmla="*/ 453533 h 907065"/>
-              <a:gd name="connsiteX3" fmla="*/ 14341940 w 14341940"/>
-              <a:gd name="connsiteY3" fmla="*/ 907065 h 907065"/>
-              <a:gd name="connsiteX4" fmla="*/ 0 w 14341940"/>
-              <a:gd name="connsiteY4" fmla="*/ 907065 h 907065"/>
-              <a:gd name="connsiteX5" fmla="*/ 0 w 14341940"/>
-              <a:gd name="connsiteY5" fmla="*/ 0 h 907065"/>
-              <a:gd name="connsiteX0" fmla="*/ 0 w 14341940"/>
-              <a:gd name="connsiteY0" fmla="*/ 0 h 907065"/>
-              <a:gd name="connsiteX1" fmla="*/ 13888408 w 14341940"/>
-              <a:gd name="connsiteY1" fmla="*/ 0 h 907065"/>
-              <a:gd name="connsiteX2" fmla="*/ 14341940 w 14341940"/>
-              <a:gd name="connsiteY2" fmla="*/ 453533 h 907065"/>
-              <a:gd name="connsiteX3" fmla="*/ 14279453 w 14341940"/>
-              <a:gd name="connsiteY3" fmla="*/ 907065 h 907065"/>
-              <a:gd name="connsiteX4" fmla="*/ 0 w 14341940"/>
-              <a:gd name="connsiteY4" fmla="*/ 907065 h 907065"/>
-              <a:gd name="connsiteX5" fmla="*/ 0 w 14341940"/>
-              <a:gd name="connsiteY5" fmla="*/ 0 h 907065"/>
-              <a:gd name="connsiteX0" fmla="*/ 0 w 14279453"/>
-              <a:gd name="connsiteY0" fmla="*/ 0 h 907065"/>
-              <a:gd name="connsiteX1" fmla="*/ 13888408 w 14279453"/>
-              <a:gd name="connsiteY1" fmla="*/ 0 h 907065"/>
-              <a:gd name="connsiteX2" fmla="*/ 14279453 w 14279453"/>
-              <a:gd name="connsiteY2" fmla="*/ 907065 h 907065"/>
-              <a:gd name="connsiteX3" fmla="*/ 0 w 14279453"/>
-              <a:gd name="connsiteY3" fmla="*/ 907065 h 907065"/>
-              <a:gd name="connsiteX4" fmla="*/ 0 w 14279453"/>
-              <a:gd name="connsiteY4" fmla="*/ 0 h 907065"/>
-              <a:gd name="connsiteX0" fmla="*/ 0 w 14279453"/>
-              <a:gd name="connsiteY0" fmla="*/ 0 h 907065"/>
-              <a:gd name="connsiteX1" fmla="*/ 13405171 w 14279453"/>
-              <a:gd name="connsiteY1" fmla="*/ 29161 h 907065"/>
-              <a:gd name="connsiteX2" fmla="*/ 14279453 w 14279453"/>
-              <a:gd name="connsiteY2" fmla="*/ 907065 h 907065"/>
-              <a:gd name="connsiteX3" fmla="*/ 0 w 14279453"/>
-              <a:gd name="connsiteY3" fmla="*/ 907065 h 907065"/>
-              <a:gd name="connsiteX4" fmla="*/ 0 w 14279453"/>
-              <a:gd name="connsiteY4" fmla="*/ 0 h 907065"/>
-              <a:gd name="connsiteX0" fmla="*/ 0 w 14279453"/>
-              <a:gd name="connsiteY0" fmla="*/ 0 h 907065"/>
-              <a:gd name="connsiteX1" fmla="*/ 13411420 w 14279453"/>
-              <a:gd name="connsiteY1" fmla="*/ 29161 h 907065"/>
-              <a:gd name="connsiteX2" fmla="*/ 14279453 w 14279453"/>
-              <a:gd name="connsiteY2" fmla="*/ 907065 h 907065"/>
-              <a:gd name="connsiteX3" fmla="*/ 0 w 14279453"/>
-              <a:gd name="connsiteY3" fmla="*/ 907065 h 907065"/>
-              <a:gd name="connsiteX4" fmla="*/ 0 w 14279453"/>
-              <a:gd name="connsiteY4" fmla="*/ 0 h 907065"/>
-              <a:gd name="connsiteX0" fmla="*/ 0 w 14283619"/>
-              <a:gd name="connsiteY0" fmla="*/ 0 h 909148"/>
-              <a:gd name="connsiteX1" fmla="*/ 13411420 w 14283619"/>
-              <a:gd name="connsiteY1" fmla="*/ 29161 h 909148"/>
-              <a:gd name="connsiteX2" fmla="*/ 14283619 w 14283619"/>
-              <a:gd name="connsiteY2" fmla="*/ 909148 h 909148"/>
-              <a:gd name="connsiteX3" fmla="*/ 0 w 14283619"/>
-              <a:gd name="connsiteY3" fmla="*/ 907065 h 909148"/>
-              <a:gd name="connsiteX4" fmla="*/ 0 w 14283619"/>
-              <a:gd name="connsiteY4" fmla="*/ 0 h 909148"/>
-              <a:gd name="connsiteX0" fmla="*/ 0 w 14289868"/>
-              <a:gd name="connsiteY0" fmla="*/ 0 h 909148"/>
-              <a:gd name="connsiteX1" fmla="*/ 13411420 w 14289868"/>
-              <a:gd name="connsiteY1" fmla="*/ 29161 h 909148"/>
-              <a:gd name="connsiteX2" fmla="*/ 14289868 w 14289868"/>
-              <a:gd name="connsiteY2" fmla="*/ 909148 h 909148"/>
-              <a:gd name="connsiteX3" fmla="*/ 0 w 14289868"/>
-              <a:gd name="connsiteY3" fmla="*/ 907065 h 909148"/>
-              <a:gd name="connsiteX4" fmla="*/ 0 w 14289868"/>
-              <a:gd name="connsiteY4" fmla="*/ 0 h 909148"/>
-              <a:gd name="connsiteX0" fmla="*/ 0 w 14300862"/>
-              <a:gd name="connsiteY0" fmla="*/ 0 h 907065"/>
-              <a:gd name="connsiteX1" fmla="*/ 13411420 w 14300862"/>
-              <a:gd name="connsiteY1" fmla="*/ 29161 h 907065"/>
-              <a:gd name="connsiteX2" fmla="*/ 14300862 w 14300862"/>
-              <a:gd name="connsiteY2" fmla="*/ 905548 h 907065"/>
-              <a:gd name="connsiteX3" fmla="*/ 0 w 14300862"/>
-              <a:gd name="connsiteY3" fmla="*/ 907065 h 907065"/>
-              <a:gd name="connsiteX4" fmla="*/ 0 w 14300862"/>
-              <a:gd name="connsiteY4" fmla="*/ 0 h 907065"/>
-              <a:gd name="connsiteX0" fmla="*/ 0 w 14441461"/>
-              <a:gd name="connsiteY0" fmla="*/ 0 h 907065"/>
-              <a:gd name="connsiteX1" fmla="*/ 13411420 w 14441461"/>
-              <a:gd name="connsiteY1" fmla="*/ 29161 h 907065"/>
-              <a:gd name="connsiteX2" fmla="*/ 14441461 w 14441461"/>
-              <a:gd name="connsiteY2" fmla="*/ 878652 h 907065"/>
-              <a:gd name="connsiteX3" fmla="*/ 0 w 14441461"/>
-              <a:gd name="connsiteY3" fmla="*/ 907065 h 907065"/>
-              <a:gd name="connsiteX4" fmla="*/ 0 w 14441461"/>
-              <a:gd name="connsiteY4" fmla="*/ 0 h 907065"/>
-              <a:gd name="connsiteX0" fmla="*/ 0 w 14441461"/>
-              <a:gd name="connsiteY0" fmla="*/ 0 h 907065"/>
-              <a:gd name="connsiteX1" fmla="*/ 13435948 w 14441461"/>
-              <a:gd name="connsiteY1" fmla="*/ 15328 h 907065"/>
-              <a:gd name="connsiteX2" fmla="*/ 14441461 w 14441461"/>
-              <a:gd name="connsiteY2" fmla="*/ 878652 h 907065"/>
-              <a:gd name="connsiteX3" fmla="*/ 0 w 14441461"/>
-              <a:gd name="connsiteY3" fmla="*/ 907065 h 907065"/>
-              <a:gd name="connsiteX4" fmla="*/ 0 w 14441461"/>
-              <a:gd name="connsiteY4" fmla="*/ 0 h 907065"/>
-            </a:gdLst>
-            <a:ahLst/>
-            <a:cxnLst>
-              <a:cxn ang="0">
-                <a:pos x="connsiteX0" y="connsiteY0"/>
-              </a:cxn>
-              <a:cxn ang="0">
-                <a:pos x="connsiteX1" y="connsiteY1"/>
-              </a:cxn>
-              <a:cxn ang="0">
-                <a:pos x="connsiteX2" y="connsiteY2"/>
-              </a:cxn>
-              <a:cxn ang="0">
-                <a:pos x="connsiteX3" y="connsiteY3"/>
-              </a:cxn>
-              <a:cxn ang="0">
-                <a:pos x="connsiteX4" y="connsiteY4"/>
-              </a:cxn>
-            </a:cxnLst>
-            <a:rect l="l" t="t" r="r" b="b"/>
-            <a:pathLst>
-              <a:path w="14441461" h="907065">
-                <a:moveTo>
-                  <a:pt x="0" y="0"/>
-                </a:moveTo>
-                <a:lnTo>
-                  <a:pt x="13435948" y="15328"/>
-                </a:lnTo>
-                <a:lnTo>
-                  <a:pt x="14441461" y="878652"/>
-                </a:lnTo>
-                <a:lnTo>
-                  <a:pt x="0" y="907065"/>
-                </a:lnTo>
-                <a:lnTo>
-                  <a:pt x="0" y="0"/>
-                </a:lnTo>
-                <a:close/>
-              </a:path>
-            </a:pathLst>
-          </a:custGeom>
-          <a:solidFill>
-            <a:schemeClr val="accent1">
-              <a:lumMod val="50000"/>
-            </a:schemeClr>
-          </a:solidFill>
-          <a:ln>
-            <a:noFill/>
-          </a:ln>
-        </p:spPr>
-        <p:style>
-          <a:lnRef idx="2">
-            <a:schemeClr val="accent1">
-              <a:shade val="50000"/>
-            </a:schemeClr>
-          </a:lnRef>
-          <a:fillRef idx="1">
-            <a:schemeClr val="accent1"/>
-          </a:fillRef>
-          <a:effectRef idx="0">
-            <a:schemeClr val="accent1"/>
-          </a:effectRef>
-          <a:fontRef idx="minor">
-            <a:schemeClr val="lt1"/>
-          </a:fontRef>
-        </p:style>
-        <p:txBody>
-          <a:bodyPr rtlCol="0" anchor="ctr"/>
-          <a:lstStyle/>
-          <a:p>
-            <a:r>
-              <a:rPr lang="en-US" sz="5000" b="1" dirty="0">
-                <a:solidFill>
-                  <a:schemeClr val="bg1"/>
-                </a:solidFill>
-              </a:rPr>
-              <a:t>  BACKGROUND</a:t>
-            </a:r>
-          </a:p>
-        </p:txBody>
-      </p:sp>
+        </p:grpSpPr>
+        <p:sp>
+          <p:nvSpPr>
+            <p:cNvPr id="55" name="Snip Single Corner Rectangle 54"/>
+            <p:cNvSpPr/>
+            <p:nvPr/>
+          </p:nvSpPr>
+          <p:spPr>
+            <a:xfrm>
+              <a:off x="536785" y="6851956"/>
+              <a:ext cx="15594213" cy="12229470"/>
+            </a:xfrm>
+            <a:prstGeom prst="snip1Rect">
+              <a:avLst>
+                <a:gd name="adj" fmla="val 18560"/>
+              </a:avLst>
+            </a:prstGeom>
+            <a:solidFill>
+              <a:schemeClr val="accent1">
+                <a:lumMod val="20000"/>
+                <a:lumOff val="80000"/>
+                <a:alpha val="94000"/>
+              </a:schemeClr>
+            </a:solidFill>
+            <a:ln>
+              <a:noFill/>
+            </a:ln>
+          </p:spPr>
+          <p:style>
+            <a:lnRef idx="2">
+              <a:schemeClr val="accent1">
+                <a:shade val="50000"/>
+              </a:schemeClr>
+            </a:lnRef>
+            <a:fillRef idx="1">
+              <a:schemeClr val="accent1"/>
+            </a:fillRef>
+            <a:effectRef idx="0">
+              <a:schemeClr val="accent1"/>
+            </a:effectRef>
+            <a:fontRef idx="minor">
+              <a:schemeClr val="lt1"/>
+            </a:fontRef>
+          </p:style>
+          <p:txBody>
+            <a:bodyPr rtlCol="0" anchor="ctr"/>
+            <a:lstStyle/>
+            <a:p>
+              <a:pPr algn="ctr"/>
+              <a:endParaRPr lang="en-US" dirty="0"/>
+            </a:p>
+          </p:txBody>
+        </p:sp>
+        <p:sp>
+          <p:nvSpPr>
+            <p:cNvPr id="84" name="Snip and Round Single Corner Rectangle 83"/>
+            <p:cNvSpPr/>
+            <p:nvPr/>
+          </p:nvSpPr>
+          <p:spPr>
+            <a:xfrm>
+              <a:off x="533605" y="6851954"/>
+              <a:ext cx="14421319" cy="1103917"/>
+            </a:xfrm>
+            <a:custGeom>
+              <a:avLst/>
+              <a:gdLst>
+                <a:gd name="connsiteX0" fmla="*/ 0 w 14341940"/>
+                <a:gd name="connsiteY0" fmla="*/ 0 h 907065"/>
+                <a:gd name="connsiteX1" fmla="*/ 13888408 w 14341940"/>
+                <a:gd name="connsiteY1" fmla="*/ 0 h 907065"/>
+                <a:gd name="connsiteX2" fmla="*/ 14341940 w 14341940"/>
+                <a:gd name="connsiteY2" fmla="*/ 453533 h 907065"/>
+                <a:gd name="connsiteX3" fmla="*/ 14341940 w 14341940"/>
+                <a:gd name="connsiteY3" fmla="*/ 907065 h 907065"/>
+                <a:gd name="connsiteX4" fmla="*/ 0 w 14341940"/>
+                <a:gd name="connsiteY4" fmla="*/ 907065 h 907065"/>
+                <a:gd name="connsiteX5" fmla="*/ 0 w 14341940"/>
+                <a:gd name="connsiteY5" fmla="*/ 0 h 907065"/>
+                <a:gd name="connsiteX0" fmla="*/ 0 w 14341940"/>
+                <a:gd name="connsiteY0" fmla="*/ 0 h 907065"/>
+                <a:gd name="connsiteX1" fmla="*/ 13888408 w 14341940"/>
+                <a:gd name="connsiteY1" fmla="*/ 0 h 907065"/>
+                <a:gd name="connsiteX2" fmla="*/ 14341940 w 14341940"/>
+                <a:gd name="connsiteY2" fmla="*/ 453533 h 907065"/>
+                <a:gd name="connsiteX3" fmla="*/ 14279453 w 14341940"/>
+                <a:gd name="connsiteY3" fmla="*/ 907065 h 907065"/>
+                <a:gd name="connsiteX4" fmla="*/ 0 w 14341940"/>
+                <a:gd name="connsiteY4" fmla="*/ 907065 h 907065"/>
+                <a:gd name="connsiteX5" fmla="*/ 0 w 14341940"/>
+                <a:gd name="connsiteY5" fmla="*/ 0 h 907065"/>
+                <a:gd name="connsiteX0" fmla="*/ 0 w 14279453"/>
+                <a:gd name="connsiteY0" fmla="*/ 0 h 907065"/>
+                <a:gd name="connsiteX1" fmla="*/ 13888408 w 14279453"/>
+                <a:gd name="connsiteY1" fmla="*/ 0 h 907065"/>
+                <a:gd name="connsiteX2" fmla="*/ 14279453 w 14279453"/>
+                <a:gd name="connsiteY2" fmla="*/ 907065 h 907065"/>
+                <a:gd name="connsiteX3" fmla="*/ 0 w 14279453"/>
+                <a:gd name="connsiteY3" fmla="*/ 907065 h 907065"/>
+                <a:gd name="connsiteX4" fmla="*/ 0 w 14279453"/>
+                <a:gd name="connsiteY4" fmla="*/ 0 h 907065"/>
+                <a:gd name="connsiteX0" fmla="*/ 0 w 14279453"/>
+                <a:gd name="connsiteY0" fmla="*/ 0 h 907065"/>
+                <a:gd name="connsiteX1" fmla="*/ 13405171 w 14279453"/>
+                <a:gd name="connsiteY1" fmla="*/ 29161 h 907065"/>
+                <a:gd name="connsiteX2" fmla="*/ 14279453 w 14279453"/>
+                <a:gd name="connsiteY2" fmla="*/ 907065 h 907065"/>
+                <a:gd name="connsiteX3" fmla="*/ 0 w 14279453"/>
+                <a:gd name="connsiteY3" fmla="*/ 907065 h 907065"/>
+                <a:gd name="connsiteX4" fmla="*/ 0 w 14279453"/>
+                <a:gd name="connsiteY4" fmla="*/ 0 h 907065"/>
+                <a:gd name="connsiteX0" fmla="*/ 0 w 14279453"/>
+                <a:gd name="connsiteY0" fmla="*/ 0 h 907065"/>
+                <a:gd name="connsiteX1" fmla="*/ 13411420 w 14279453"/>
+                <a:gd name="connsiteY1" fmla="*/ 29161 h 907065"/>
+                <a:gd name="connsiteX2" fmla="*/ 14279453 w 14279453"/>
+                <a:gd name="connsiteY2" fmla="*/ 907065 h 907065"/>
+                <a:gd name="connsiteX3" fmla="*/ 0 w 14279453"/>
+                <a:gd name="connsiteY3" fmla="*/ 907065 h 907065"/>
+                <a:gd name="connsiteX4" fmla="*/ 0 w 14279453"/>
+                <a:gd name="connsiteY4" fmla="*/ 0 h 907065"/>
+                <a:gd name="connsiteX0" fmla="*/ 0 w 14283619"/>
+                <a:gd name="connsiteY0" fmla="*/ 0 h 909148"/>
+                <a:gd name="connsiteX1" fmla="*/ 13411420 w 14283619"/>
+                <a:gd name="connsiteY1" fmla="*/ 29161 h 909148"/>
+                <a:gd name="connsiteX2" fmla="*/ 14283619 w 14283619"/>
+                <a:gd name="connsiteY2" fmla="*/ 909148 h 909148"/>
+                <a:gd name="connsiteX3" fmla="*/ 0 w 14283619"/>
+                <a:gd name="connsiteY3" fmla="*/ 907065 h 909148"/>
+                <a:gd name="connsiteX4" fmla="*/ 0 w 14283619"/>
+                <a:gd name="connsiteY4" fmla="*/ 0 h 909148"/>
+                <a:gd name="connsiteX0" fmla="*/ 0 w 14289868"/>
+                <a:gd name="connsiteY0" fmla="*/ 0 h 909148"/>
+                <a:gd name="connsiteX1" fmla="*/ 13411420 w 14289868"/>
+                <a:gd name="connsiteY1" fmla="*/ 29161 h 909148"/>
+                <a:gd name="connsiteX2" fmla="*/ 14289868 w 14289868"/>
+                <a:gd name="connsiteY2" fmla="*/ 909148 h 909148"/>
+                <a:gd name="connsiteX3" fmla="*/ 0 w 14289868"/>
+                <a:gd name="connsiteY3" fmla="*/ 907065 h 909148"/>
+                <a:gd name="connsiteX4" fmla="*/ 0 w 14289868"/>
+                <a:gd name="connsiteY4" fmla="*/ 0 h 909148"/>
+                <a:gd name="connsiteX0" fmla="*/ 0 w 14300862"/>
+                <a:gd name="connsiteY0" fmla="*/ 0 h 907065"/>
+                <a:gd name="connsiteX1" fmla="*/ 13411420 w 14300862"/>
+                <a:gd name="connsiteY1" fmla="*/ 29161 h 907065"/>
+                <a:gd name="connsiteX2" fmla="*/ 14300862 w 14300862"/>
+                <a:gd name="connsiteY2" fmla="*/ 905548 h 907065"/>
+                <a:gd name="connsiteX3" fmla="*/ 0 w 14300862"/>
+                <a:gd name="connsiteY3" fmla="*/ 907065 h 907065"/>
+                <a:gd name="connsiteX4" fmla="*/ 0 w 14300862"/>
+                <a:gd name="connsiteY4" fmla="*/ 0 h 907065"/>
+                <a:gd name="connsiteX0" fmla="*/ 0 w 14441461"/>
+                <a:gd name="connsiteY0" fmla="*/ 0 h 907065"/>
+                <a:gd name="connsiteX1" fmla="*/ 13411420 w 14441461"/>
+                <a:gd name="connsiteY1" fmla="*/ 29161 h 907065"/>
+                <a:gd name="connsiteX2" fmla="*/ 14441461 w 14441461"/>
+                <a:gd name="connsiteY2" fmla="*/ 878652 h 907065"/>
+                <a:gd name="connsiteX3" fmla="*/ 0 w 14441461"/>
+                <a:gd name="connsiteY3" fmla="*/ 907065 h 907065"/>
+                <a:gd name="connsiteX4" fmla="*/ 0 w 14441461"/>
+                <a:gd name="connsiteY4" fmla="*/ 0 h 907065"/>
+                <a:gd name="connsiteX0" fmla="*/ 0 w 14441461"/>
+                <a:gd name="connsiteY0" fmla="*/ 0 h 907065"/>
+                <a:gd name="connsiteX1" fmla="*/ 13435948 w 14441461"/>
+                <a:gd name="connsiteY1" fmla="*/ 15328 h 907065"/>
+                <a:gd name="connsiteX2" fmla="*/ 14441461 w 14441461"/>
+                <a:gd name="connsiteY2" fmla="*/ 878652 h 907065"/>
+                <a:gd name="connsiteX3" fmla="*/ 0 w 14441461"/>
+                <a:gd name="connsiteY3" fmla="*/ 907065 h 907065"/>
+                <a:gd name="connsiteX4" fmla="*/ 0 w 14441461"/>
+                <a:gd name="connsiteY4" fmla="*/ 0 h 907065"/>
+                <a:gd name="connsiteX0" fmla="*/ 0 w 14422384"/>
+                <a:gd name="connsiteY0" fmla="*/ 0 h 951270"/>
+                <a:gd name="connsiteX1" fmla="*/ 13435948 w 14422384"/>
+                <a:gd name="connsiteY1" fmla="*/ 15328 h 951270"/>
+                <a:gd name="connsiteX2" fmla="*/ 14422384 w 14422384"/>
+                <a:gd name="connsiteY2" fmla="*/ 951270 h 951270"/>
+                <a:gd name="connsiteX3" fmla="*/ 0 w 14422384"/>
+                <a:gd name="connsiteY3" fmla="*/ 907065 h 951270"/>
+                <a:gd name="connsiteX4" fmla="*/ 0 w 14422384"/>
+                <a:gd name="connsiteY4" fmla="*/ 0 h 951270"/>
+                <a:gd name="connsiteX0" fmla="*/ 0 w 14441461"/>
+                <a:gd name="connsiteY0" fmla="*/ 0 h 918995"/>
+                <a:gd name="connsiteX1" fmla="*/ 13435948 w 14441461"/>
+                <a:gd name="connsiteY1" fmla="*/ 15328 h 918995"/>
+                <a:gd name="connsiteX2" fmla="*/ 14441461 w 14441461"/>
+                <a:gd name="connsiteY2" fmla="*/ 918995 h 918995"/>
+                <a:gd name="connsiteX3" fmla="*/ 0 w 14441461"/>
+                <a:gd name="connsiteY3" fmla="*/ 907065 h 918995"/>
+                <a:gd name="connsiteX4" fmla="*/ 0 w 14441461"/>
+                <a:gd name="connsiteY4" fmla="*/ 0 h 918995"/>
+                <a:gd name="connsiteX0" fmla="*/ 0 w 14441461"/>
+                <a:gd name="connsiteY0" fmla="*/ 0 h 935132"/>
+                <a:gd name="connsiteX1" fmla="*/ 13435948 w 14441461"/>
+                <a:gd name="connsiteY1" fmla="*/ 15328 h 935132"/>
+                <a:gd name="connsiteX2" fmla="*/ 14441461 w 14441461"/>
+                <a:gd name="connsiteY2" fmla="*/ 935132 h 935132"/>
+                <a:gd name="connsiteX3" fmla="*/ 0 w 14441461"/>
+                <a:gd name="connsiteY3" fmla="*/ 907065 h 935132"/>
+                <a:gd name="connsiteX4" fmla="*/ 0 w 14441461"/>
+                <a:gd name="connsiteY4" fmla="*/ 0 h 935132"/>
+              </a:gdLst>
+              <a:ahLst/>
+              <a:cxnLst>
+                <a:cxn ang="0">
+                  <a:pos x="connsiteX0" y="connsiteY0"/>
+                </a:cxn>
+                <a:cxn ang="0">
+                  <a:pos x="connsiteX1" y="connsiteY1"/>
+                </a:cxn>
+                <a:cxn ang="0">
+                  <a:pos x="connsiteX2" y="connsiteY2"/>
+                </a:cxn>
+                <a:cxn ang="0">
+                  <a:pos x="connsiteX3" y="connsiteY3"/>
+                </a:cxn>
+                <a:cxn ang="0">
+                  <a:pos x="connsiteX4" y="connsiteY4"/>
+                </a:cxn>
+              </a:cxnLst>
+              <a:rect l="l" t="t" r="r" b="b"/>
+              <a:pathLst>
+                <a:path w="14441461" h="935132">
+                  <a:moveTo>
+                    <a:pt x="0" y="0"/>
+                  </a:moveTo>
+                  <a:lnTo>
+                    <a:pt x="13435948" y="15328"/>
+                  </a:lnTo>
+                  <a:lnTo>
+                    <a:pt x="14441461" y="935132"/>
+                  </a:lnTo>
+                  <a:lnTo>
+                    <a:pt x="0" y="907065"/>
+                  </a:lnTo>
+                  <a:lnTo>
+                    <a:pt x="0" y="0"/>
+                  </a:lnTo>
+                  <a:close/>
+                </a:path>
+              </a:pathLst>
+            </a:custGeom>
+            <a:solidFill>
+              <a:schemeClr val="accent1">
+                <a:lumMod val="50000"/>
+              </a:schemeClr>
+            </a:solidFill>
+            <a:ln>
+              <a:noFill/>
+            </a:ln>
+          </p:spPr>
+          <p:style>
+            <a:lnRef idx="2">
+              <a:schemeClr val="accent1">
+                <a:shade val="50000"/>
+              </a:schemeClr>
+            </a:lnRef>
+            <a:fillRef idx="1">
+              <a:schemeClr val="accent1"/>
+            </a:fillRef>
+            <a:effectRef idx="0">
+              <a:schemeClr val="accent1"/>
+            </a:effectRef>
+            <a:fontRef idx="minor">
+              <a:schemeClr val="lt1"/>
+            </a:fontRef>
+          </p:style>
+          <p:txBody>
+            <a:bodyPr rtlCol="0" anchor="ctr"/>
+            <a:lstStyle/>
+            <a:p>
+              <a:r>
+                <a:rPr lang="en-US" sz="5000" b="1" dirty="0">
+                  <a:solidFill>
+                    <a:schemeClr val="bg1"/>
+                  </a:solidFill>
+                </a:rPr>
+                <a:t>  BACKGROUND</a:t>
+              </a:r>
+            </a:p>
+          </p:txBody>
+        </p:sp>
+      </p:grpSp>
       <p:sp>
         <p:nvSpPr>
           <p:cNvPr id="102" name="Rectangle 101"/>
@@ -4937,8 +4732,8 @@
         </p:nvSpPr>
         <p:spPr>
           <a:xfrm>
-            <a:off x="16626847" y="9385639"/>
-            <a:ext cx="18434312" cy="754692"/>
+            <a:off x="16573569" y="9128858"/>
+            <a:ext cx="18487590" cy="1008913"/>
           </a:xfrm>
           <a:prstGeom prst="rect">
             <a:avLst/>
@@ -4949,6 +4744,7 @@
           <a:ln>
             <a:noFill/>
           </a:ln>
+          <a:effectLst/>
         </p:spPr>
         <p:style>
           <a:lnRef idx="3">
@@ -4983,8 +4779,8 @@
         </p:nvSpPr>
         <p:spPr>
           <a:xfrm>
-            <a:off x="16565822" y="16184655"/>
-            <a:ext cx="18464951" cy="672309"/>
+            <a:off x="16573569" y="15773400"/>
+            <a:ext cx="18467002" cy="1008733"/>
           </a:xfrm>
           <a:prstGeom prst="rect">
             <a:avLst/>
@@ -4995,6 +4791,7 @@
           <a:ln>
             <a:noFill/>
           </a:ln>
+          <a:effectLst/>
         </p:spPr>
         <p:style>
           <a:lnRef idx="3">
@@ -5016,7 +4813,7 @@
           <a:p>
             <a:r>
               <a:rPr lang="en-US" sz="4000" b="1" dirty="0"/>
-              <a:t>Distribution of Major Device Characteristics</a:t>
+              <a:t>Distribution of Device Characteristics</a:t>
             </a:r>
           </a:p>
         </p:txBody>
@@ -5564,7 +5361,7 @@
             <a:pPr marL="0" indent="0"/>
             <a:r>
               <a:rPr lang="en-US" sz="4600" dirty="0"/>
-              <a:t>Breast implant data on implant characteristics were gathered primarily from the GUDID database using the FDA product codes FWM and FTR. Current catalogs from four breast implant sponsors were also used for cross-verification of data as well as providing additional information, </a:t>
+              <a:t>Breast implant data on implant characteristics were gathered primarily from the Global UDI Database (GUDID) database using the FDA product codes FWM and FTR. Current catalogs from four breast implant sponsors were also used for cross-verification of data as well as providing additional information, </a:t>
             </a:r>
             <a:br>
               <a:rPr lang="en-US" sz="4600" dirty="0"/>
@@ -5608,136 +5405,123 @@
           </a:p>
         </p:txBody>
       </p:sp>
-      <p:sp>
-        <p:nvSpPr>
-          <p:cNvPr id="190" name="Rectangle 189"/>
-          <p:cNvSpPr/>
+      <p:grpSp>
+        <p:nvGrpSpPr>
+          <p:cNvPr id="11" name="Group 10">
+            <a:extLst>
+              <a:ext uri="{FF2B5EF4-FFF2-40B4-BE49-F238E27FC236}">
+                <a16:creationId xmlns:a16="http://schemas.microsoft.com/office/drawing/2014/main" id="{93F0EC83-52EF-4AE7-9AA8-779877798B59}"/>
+              </a:ext>
+            </a:extLst>
+          </p:cNvPr>
+          <p:cNvGrpSpPr/>
           <p:nvPr/>
-        </p:nvSpPr>
-        <p:spPr>
+        </p:nvGrpSpPr>
+        <p:grpSpPr>
           <a:xfrm>
-            <a:off x="16547187" y="26484758"/>
-            <a:ext cx="18513972" cy="592836"/>
+            <a:off x="35470169" y="23711830"/>
+            <a:ext cx="13319530" cy="7753991"/>
+            <a:chOff x="35505413" y="22901770"/>
+            <a:chExt cx="13319530" cy="4957554"/>
           </a:xfrm>
-          <a:prstGeom prst="rect">
-            <a:avLst/>
-          </a:prstGeom>
-          <a:solidFill>
-            <a:srgbClr val="F59B00"/>
-          </a:solidFill>
-          <a:ln>
-            <a:noFill/>
-          </a:ln>
-        </p:spPr>
-        <p:style>
-          <a:lnRef idx="3">
-            <a:schemeClr val="lt1"/>
-          </a:lnRef>
-          <a:fillRef idx="1">
-            <a:schemeClr val="accent1"/>
-          </a:fillRef>
-          <a:effectRef idx="1">
-            <a:schemeClr val="accent1"/>
-          </a:effectRef>
-          <a:fontRef idx="minor">
-            <a:schemeClr val="lt1"/>
-          </a:fontRef>
-        </p:style>
-        <p:txBody>
-          <a:bodyPr rtlCol="0" anchor="ctr"/>
-          <a:lstStyle/>
-          <a:p>
-            <a:r>
-              <a:rPr lang="en-US" sz="4000" b="1" dirty="0"/>
-              <a:t>Biomarkers, Clinical Presentation and Treatments</a:t>
-            </a:r>
-          </a:p>
-        </p:txBody>
-      </p:sp>
-      <p:sp>
-        <p:nvSpPr>
-          <p:cNvPr id="193" name="TextBox 192"/>
-          <p:cNvSpPr txBox="1"/>
-          <p:nvPr/>
-        </p:nvSpPr>
-        <p:spPr>
-          <a:xfrm>
-            <a:off x="35224124" y="8853349"/>
-            <a:ext cx="13411200" cy="830997"/>
-          </a:xfrm>
-          <a:prstGeom prst="rect">
-            <a:avLst/>
-          </a:prstGeom>
-          <a:noFill/>
-        </p:spPr>
-        <p:txBody>
-          <a:bodyPr wrap="square" rtlCol="0">
-            <a:spAutoFit/>
-          </a:bodyPr>
-          <a:lstStyle/>
-          <a:p>
-            <a:pPr>
-              <a:spcBef>
-                <a:spcPts val="1200"/>
-              </a:spcBef>
-              <a:spcAft>
-                <a:spcPts val="600"/>
-              </a:spcAft>
-            </a:pPr>
-            <a:endParaRPr lang="en-US" sz="4800" dirty="0"/>
-          </a:p>
-        </p:txBody>
-      </p:sp>
-      <p:sp>
-        <p:nvSpPr>
-          <p:cNvPr id="205" name="Rectangle 204"/>
-          <p:cNvSpPr/>
-          <p:nvPr/>
-        </p:nvSpPr>
-        <p:spPr>
-          <a:xfrm>
-            <a:off x="35519850" y="26604270"/>
-            <a:ext cx="13290360" cy="589155"/>
-          </a:xfrm>
-          <a:prstGeom prst="rect">
-            <a:avLst/>
-          </a:prstGeom>
-          <a:solidFill>
-            <a:srgbClr val="F59B00"/>
-          </a:solidFill>
-          <a:ln>
-            <a:noFill/>
-          </a:ln>
-        </p:spPr>
-        <p:style>
-          <a:lnRef idx="3">
-            <a:schemeClr val="lt1"/>
-          </a:lnRef>
-          <a:fillRef idx="1">
-            <a:schemeClr val="accent1"/>
-          </a:fillRef>
-          <a:effectRef idx="1">
-            <a:schemeClr val="accent1"/>
-          </a:effectRef>
-          <a:fontRef idx="minor">
-            <a:schemeClr val="lt1"/>
-          </a:fontRef>
-        </p:style>
-        <p:txBody>
-          <a:bodyPr rtlCol="0" anchor="ctr"/>
-          <a:lstStyle/>
-          <a:p>
-            <a:r>
-              <a:rPr lang="en-US" sz="4000" b="1" dirty="0">
-                <a:solidFill>
-                  <a:schemeClr val="bg1"/>
-                </a:solidFill>
-              </a:rPr>
-              <a:t>MDR data Limitations</a:t>
-            </a:r>
-          </a:p>
-        </p:txBody>
-      </p:sp>
+        </p:grpSpPr>
+        <p:sp>
+          <p:nvSpPr>
+            <p:cNvPr id="200" name="Rectangle 199"/>
+            <p:cNvSpPr/>
+            <p:nvPr/>
+          </p:nvSpPr>
+          <p:spPr>
+            <a:xfrm>
+              <a:off x="35505413" y="22901770"/>
+              <a:ext cx="13303249" cy="4957554"/>
+            </a:xfrm>
+            <a:prstGeom prst="rect">
+              <a:avLst/>
+            </a:prstGeom>
+            <a:solidFill>
+              <a:schemeClr val="accent1">
+                <a:lumMod val="20000"/>
+                <a:lumOff val="80000"/>
+              </a:schemeClr>
+            </a:solidFill>
+            <a:ln>
+              <a:noFill/>
+            </a:ln>
+          </p:spPr>
+          <p:style>
+            <a:lnRef idx="2">
+              <a:schemeClr val="accent1">
+                <a:shade val="50000"/>
+              </a:schemeClr>
+            </a:lnRef>
+            <a:fillRef idx="1">
+              <a:schemeClr val="accent1"/>
+            </a:fillRef>
+            <a:effectRef idx="0">
+              <a:schemeClr val="accent1"/>
+            </a:effectRef>
+            <a:fontRef idx="minor">
+              <a:schemeClr val="lt1"/>
+            </a:fontRef>
+          </p:style>
+          <p:txBody>
+            <a:bodyPr lIns="496382" tIns="248191" rIns="496382" bIns="248191" spcCol="0" rtlCol="0" anchor="ctr"/>
+            <a:lstStyle/>
+            <a:p>
+              <a:pPr algn="ctr"/>
+              <a:endParaRPr lang="en-US" dirty="0"/>
+            </a:p>
+          </p:txBody>
+        </p:sp>
+        <p:sp>
+          <p:nvSpPr>
+            <p:cNvPr id="205" name="Rectangle 204"/>
+            <p:cNvSpPr/>
+            <p:nvPr/>
+          </p:nvSpPr>
+          <p:spPr>
+            <a:xfrm>
+              <a:off x="35534583" y="22901770"/>
+              <a:ext cx="13290360" cy="695517"/>
+            </a:xfrm>
+            <a:prstGeom prst="rect">
+              <a:avLst/>
+            </a:prstGeom>
+            <a:solidFill>
+              <a:srgbClr val="F59B00"/>
+            </a:solidFill>
+            <a:ln>
+              <a:noFill/>
+            </a:ln>
+            <a:effectLst/>
+          </p:spPr>
+          <p:style>
+            <a:lnRef idx="3">
+              <a:schemeClr val="lt1"/>
+            </a:lnRef>
+            <a:fillRef idx="1">
+              <a:schemeClr val="accent1"/>
+            </a:fillRef>
+            <a:effectRef idx="1">
+              <a:schemeClr val="accent1"/>
+            </a:effectRef>
+            <a:fontRef idx="minor">
+              <a:schemeClr val="lt1"/>
+            </a:fontRef>
+          </p:style>
+          <p:txBody>
+            <a:bodyPr rtlCol="0" anchor="ctr"/>
+            <a:lstStyle/>
+            <a:p>
+              <a:r>
+                <a:rPr lang="en-US" sz="4000" b="1" dirty="0"/>
+                <a:t>GUDID Data Limitations</a:t>
+              </a:r>
+            </a:p>
+          </p:txBody>
+        </p:sp>
+      </p:grpSp>
       <p:sp>
         <p:nvSpPr>
           <p:cNvPr id="215" name="TextBox 214"/>
@@ -5747,7 +5531,7 @@
         <p:spPr>
           <a:xfrm>
             <a:off x="35691110" y="32916640"/>
-            <a:ext cx="12890500" cy="2308324"/>
+            <a:ext cx="12890500" cy="1754326"/>
           </a:xfrm>
           <a:prstGeom prst="rect">
             <a:avLst/>
@@ -5773,7 +5557,7 @@
             </a:pPr>
             <a:r>
               <a:rPr lang="en-US" sz="3600" dirty="0"/>
-              <a:t>This project is supported by FDA/CDRH OSB lab research module. Authors want to acknowledge the valuable support from DEPI and DSD teams, particularly Danica Marinac-Dabic, Binita S Ashar, Reza Miraliakbari, Dongyi (Tony) Du, and Erica Zeno.</a:t>
+              <a:t>This project is supported by FDA/CDRH OSB lab research module. Authors want to acknowledge the valuable support from [INSERT NAMES HERE]</a:t>
             </a:r>
           </a:p>
         </p:txBody>
@@ -5992,7 +5776,7 @@
         </p:nvSpPr>
         <p:spPr>
           <a:xfrm>
-            <a:off x="10056280" y="5002193"/>
+            <a:off x="10083416" y="4610775"/>
             <a:ext cx="32761770" cy="1723549"/>
           </a:xfrm>
           <a:prstGeom prst="rect">
@@ -6064,7 +5848,23 @@
                   <a:schemeClr val="bg1"/>
                 </a:solidFill>
               </a:rPr>
-              <a:t>, Yu (Asiyah) Lin</a:t>
+              <a:t>, </a:t>
+            </a:r>
+            <a:r>
+              <a:rPr lang="en-US" sz="5200" b="1" dirty="0" err="1">
+                <a:solidFill>
+                  <a:schemeClr val="bg1"/>
+                </a:solidFill>
+              </a:rPr>
+              <a:t>Asiyah</a:t>
+            </a:r>
+            <a:r>
+              <a:rPr lang="en-US" sz="5200" b="1" dirty="0">
+                <a:solidFill>
+                  <a:schemeClr val="bg1"/>
+                </a:solidFill>
+              </a:rPr>
+              <a:t> Yu Lin</a:t>
             </a:r>
             <a:r>
               <a:rPr lang="en-US" altLang="ko-KR" sz="4800" b="1" baseline="30000" dirty="0">
@@ -6151,33 +5951,9 @@
           </a:p>
         </p:txBody>
       </p:sp>
-      <p:graphicFrame>
-        <p:nvGraphicFramePr>
-          <p:cNvPr id="239" name="Chart 238"/>
-          <p:cNvGraphicFramePr>
-            <a:graphicFrameLocks/>
-          </p:cNvGraphicFramePr>
-          <p:nvPr>
-            <p:extLst>
-              <p:ext uri="{D42A27DB-BD31-4B8C-83A1-F6EECF244321}">
-                <p14:modId xmlns:p14="http://schemas.microsoft.com/office/powerpoint/2010/main" val="3773006878"/>
-              </p:ext>
-            </p:extLst>
-          </p:nvPr>
-        </p:nvGraphicFramePr>
-        <p:xfrm>
-          <a:off x="26005610" y="27398836"/>
-          <a:ext cx="9611449" cy="7386392"/>
-        </p:xfrm>
-        <a:graphic>
-          <a:graphicData uri="http://schemas.openxmlformats.org/drawingml/2006/chart">
-            <c:chart xmlns:c="http://schemas.openxmlformats.org/drawingml/2006/chart" xmlns:r="http://schemas.openxmlformats.org/officeDocument/2006/relationships" r:id="rId5"/>
-          </a:graphicData>
-        </a:graphic>
-      </p:graphicFrame>
-      <p:sp>
-        <p:nvSpPr>
-          <p:cNvPr id="83" name="TextBox 2"/>
+      <p:sp>
+        <p:nvSpPr>
+          <p:cNvPr id="93" name="TextBox 2"/>
           <p:cNvSpPr txBox="1">
             <a:spLocks noChangeArrowheads="1"/>
           </p:cNvSpPr>
@@ -6185,8 +5961,8 @@
         </p:nvSpPr>
         <p:spPr bwMode="auto">
           <a:xfrm>
-            <a:off x="16851003" y="28416381"/>
-            <a:ext cx="10088357" cy="5770796"/>
+            <a:off x="16674635" y="10234800"/>
+            <a:ext cx="18296083" cy="3901118"/>
           </a:xfrm>
           <a:prstGeom prst="rect">
             <a:avLst/>
@@ -6327,141 +6103,17 @@
             </a:lvl9pPr>
           </a:lstStyle>
           <a:p>
-            <a:pPr eaLnBrk="1" hangingPunct="1">
-              <a:spcBef>
-                <a:spcPts val="1200"/>
-              </a:spcBef>
-              <a:spcAft>
-                <a:spcPts val="1200"/>
-              </a:spcAft>
-              <a:buFont typeface="Arial" panose="020B0604020202020204" pitchFamily="34" charset="0"/>
-              <a:buChar char="•"/>
-              <a:defRPr/>
-            </a:pPr>
-            <a:r>
-              <a:rPr lang="en-US" altLang="en-US" sz="3600" b="1" dirty="0">
-                <a:latin typeface="+mn-lt"/>
-                <a:cs typeface="Times New Roman" pitchFamily="18" charset="0"/>
-              </a:rPr>
-              <a:t>CD30</a:t>
-            </a:r>
-            <a:r>
-              <a:rPr lang="en-US" altLang="en-US" sz="3600" dirty="0">
-                <a:latin typeface="+mn-lt"/>
-                <a:cs typeface="Times New Roman" pitchFamily="18" charset="0"/>
-              </a:rPr>
-              <a:t>: 100% positive in MDRs and </a:t>
-            </a:r>
-            <a:r>
-              <a:rPr lang="en-US" altLang="en-US" sz="3600" dirty="0">
-                <a:cs typeface="Times New Roman" pitchFamily="18" charset="0"/>
-              </a:rPr>
-              <a:t>100% positive </a:t>
-            </a:r>
-            <a:r>
-              <a:rPr lang="en-US" altLang="en-US" sz="3600" dirty="0">
-                <a:latin typeface="+mn-lt"/>
-                <a:cs typeface="Times New Roman" pitchFamily="18" charset="0"/>
-              </a:rPr>
-              <a:t>in literature</a:t>
-            </a:r>
-          </a:p>
-          <a:p>
-            <a:pPr eaLnBrk="1" hangingPunct="1">
-              <a:spcAft>
-                <a:spcPts val="600"/>
-              </a:spcAft>
-              <a:buFont typeface="Arial" panose="020B0604020202020204" pitchFamily="34" charset="0"/>
-              <a:buChar char="•"/>
-              <a:defRPr/>
-            </a:pPr>
-            <a:r>
-              <a:rPr lang="en-US" altLang="en-US" sz="3600" b="1" dirty="0">
-                <a:latin typeface="+mn-lt"/>
-                <a:cs typeface="Times New Roman" pitchFamily="18" charset="0"/>
-              </a:rPr>
-              <a:t>ALK</a:t>
-            </a:r>
-            <a:r>
-              <a:rPr lang="en-US" altLang="en-US" sz="3600" dirty="0">
-                <a:latin typeface="+mn-lt"/>
-                <a:cs typeface="Times New Roman" pitchFamily="18" charset="0"/>
-              </a:rPr>
-              <a:t>: 100% negative in MDRs; 95% negative and 5% (2 cases) positive </a:t>
-            </a:r>
-            <a:r>
-              <a:rPr lang="en-US" altLang="en-US" sz="3600" dirty="0">
-                <a:cs typeface="Times New Roman" pitchFamily="18" charset="0"/>
-              </a:rPr>
-              <a:t>in literature</a:t>
-            </a:r>
-            <a:r>
-              <a:rPr lang="en-US" altLang="en-US" sz="3600" dirty="0">
-                <a:latin typeface="+mn-lt"/>
-                <a:cs typeface="Times New Roman" pitchFamily="18" charset="0"/>
-              </a:rPr>
-              <a:t>. </a:t>
-            </a:r>
-          </a:p>
-          <a:p>
-            <a:pPr eaLnBrk="1" hangingPunct="1">
-              <a:spcBef>
-                <a:spcPts val="1200"/>
-              </a:spcBef>
-              <a:spcAft>
-                <a:spcPts val="1200"/>
-              </a:spcAft>
-              <a:buFont typeface="Arial" panose="020B0604020202020204" pitchFamily="34" charset="0"/>
-              <a:buChar char="•"/>
-              <a:defRPr/>
-            </a:pPr>
-            <a:r>
-              <a:rPr lang="en-US" altLang="en-US" sz="3600" b="1" dirty="0">
-                <a:latin typeface="+mn-lt"/>
-                <a:cs typeface="Times New Roman" pitchFamily="18" charset="0"/>
-              </a:rPr>
-              <a:t>Presentation changes </a:t>
-            </a:r>
-            <a:r>
-              <a:rPr lang="en-US" altLang="en-US" sz="3600" dirty="0">
-                <a:latin typeface="+mn-lt"/>
-                <a:cs typeface="Times New Roman" pitchFamily="18" charset="0"/>
-              </a:rPr>
-              <a:t>to breast tissue: mostly seroma, mass, capsular contracture, others … (Fig.3)</a:t>
-            </a:r>
-          </a:p>
-          <a:p>
-            <a:pPr eaLnBrk="1" hangingPunct="1">
-              <a:spcBef>
-                <a:spcPts val="1200"/>
-              </a:spcBef>
-              <a:spcAft>
-                <a:spcPts val="1200"/>
-              </a:spcAft>
-              <a:buFont typeface="Arial" panose="020B0604020202020204" pitchFamily="34" charset="0"/>
-              <a:buChar char="•"/>
-              <a:defRPr/>
-            </a:pPr>
-            <a:r>
-              <a:rPr lang="en-US" altLang="en-US" sz="3600" b="1" dirty="0">
-                <a:latin typeface="+mn-lt"/>
-                <a:cs typeface="Times New Roman" pitchFamily="18" charset="0"/>
-              </a:rPr>
-              <a:t>Treatments</a:t>
-            </a:r>
-            <a:r>
-              <a:rPr lang="en-US" altLang="en-US" sz="3600" dirty="0">
-                <a:latin typeface="+mn-lt"/>
-                <a:cs typeface="Times New Roman" pitchFamily="18" charset="0"/>
-              </a:rPr>
-              <a:t>: explant/capsulectomy, single or combined chemo/radiation therapies</a:t>
-            </a:r>
-          </a:p>
-        </p:txBody>
-      </p:sp>
-      <p:sp>
-        <p:nvSpPr>
-          <p:cNvPr id="93" name="TextBox 2"/>
+            <a:pPr marL="0" indent="0"/>
+            <a:r>
+              <a:rPr lang="en-US" sz="4000" dirty="0"/>
+              <a:t>Python libraries — including NumPy and Pandas – were used for piping relevant data through various data-capture filters into a compiled Excel file. This will be automated as much as possible to facilitate future GUDID downloads. Protégé, an open source ontology application, was used to help categorize each implant based on their properties to create a logical structure.  To increase efficiency, the Python Owlready2 library was used to load all content from the excel sheets into the ontology.</a:t>
+            </a:r>
+          </a:p>
+        </p:txBody>
+      </p:sp>
+      <p:sp>
+        <p:nvSpPr>
+          <p:cNvPr id="88" name="TextBox 2"/>
           <p:cNvSpPr txBox="1">
             <a:spLocks noChangeArrowheads="1"/>
           </p:cNvSpPr>
@@ -6469,8 +6121,8 @@
         </p:nvSpPr>
         <p:spPr bwMode="auto">
           <a:xfrm>
-            <a:off x="16635953" y="10500734"/>
-            <a:ext cx="18296083" cy="3416306"/>
+            <a:off x="16770872" y="30685699"/>
+            <a:ext cx="8742258" cy="4801300"/>
           </a:xfrm>
           <a:prstGeom prst="rect">
             <a:avLst/>
@@ -6611,33 +6263,89 @@
             </a:lvl9pPr>
           </a:lstStyle>
           <a:p>
-            <a:pPr marL="0" indent="0"/>
-            <a:r>
-              <a:rPr lang="en-US" sz="3600" dirty="0"/>
-              <a:t>Python libraries — including </a:t>
-            </a:r>
-            <a:r>
-              <a:rPr lang="en-US" sz="3600" dirty="0" err="1"/>
-              <a:t>NumPy</a:t>
-            </a:r>
-            <a:r>
-              <a:rPr lang="en-US" sz="3600" dirty="0"/>
-              <a:t> and Pandas – were used for piping data through text-capture filters into the Pandas </a:t>
-            </a:r>
-            <a:r>
-              <a:rPr lang="en-US" sz="3600" dirty="0" err="1"/>
-              <a:t>DataFrame</a:t>
-            </a:r>
-            <a:r>
-              <a:rPr lang="en-US" sz="3600" dirty="0"/>
-              <a:t> data structure and finally into an Excel file. This will be automated as much as possible to facilitate future GUDID downloads. Protégé, an open source ontology application, was used to help categorize each implant based on their properties to create a logical structure.  To increase efficiency, the Python Owlready2 library was used to load all content from the excel sheets into the ontology.</a:t>
-            </a:r>
-          </a:p>
-        </p:txBody>
-      </p:sp>
-      <p:sp>
-        <p:nvSpPr>
-          <p:cNvPr id="88" name="TextBox 2"/>
+            <a:pPr>
+              <a:lnSpc>
+                <a:spcPct val="150000"/>
+              </a:lnSpc>
+              <a:buFont typeface="Arial" panose="020B0604020202020204" pitchFamily="34" charset="0"/>
+              <a:buChar char="•"/>
+            </a:pPr>
+            <a:r>
+              <a:rPr lang="en-US" altLang="en-US" sz="3600" b="1" dirty="0">
+                <a:latin typeface="+mn-lt"/>
+                <a:cs typeface="Times New Roman" pitchFamily="18" charset="0"/>
+              </a:rPr>
+              <a:t>Total Device Count: </a:t>
+            </a:r>
+            <a:r>
+              <a:rPr lang="en-US" altLang="en-US" sz="3600" dirty="0">
+                <a:latin typeface="+mn-lt"/>
+                <a:cs typeface="Times New Roman" pitchFamily="18" charset="0"/>
+              </a:rPr>
+              <a:t>1738</a:t>
+            </a:r>
+          </a:p>
+          <a:p>
+            <a:pPr>
+              <a:lnSpc>
+                <a:spcPct val="150000"/>
+              </a:lnSpc>
+              <a:buFont typeface="Arial" panose="020B0604020202020204" pitchFamily="34" charset="0"/>
+              <a:buChar char="•"/>
+            </a:pPr>
+            <a:r>
+              <a:rPr lang="en-US" altLang="en-US" sz="3600" b="1" dirty="0">
+                <a:latin typeface="+mn-lt"/>
+                <a:cs typeface="Times New Roman" pitchFamily="18" charset="0"/>
+              </a:rPr>
+              <a:t>Fill types: </a:t>
+            </a:r>
+            <a:r>
+              <a:rPr lang="en-US" altLang="en-US" sz="3600" dirty="0">
+                <a:latin typeface="+mn-lt"/>
+                <a:cs typeface="Times New Roman" pitchFamily="18" charset="0"/>
+              </a:rPr>
+              <a:t>12.4% (216) saline filled, 87.6% (1522) silicone gel filled</a:t>
+            </a:r>
+          </a:p>
+          <a:p>
+            <a:pPr>
+              <a:lnSpc>
+                <a:spcPct val="150000"/>
+              </a:lnSpc>
+              <a:buFont typeface="Arial" panose="020B0604020202020204" pitchFamily="34" charset="0"/>
+              <a:buChar char="•"/>
+            </a:pPr>
+            <a:r>
+              <a:rPr lang="en-US" altLang="en-US" sz="3600" b="1" dirty="0">
+                <a:latin typeface="+mn-lt"/>
+                <a:cs typeface="Times New Roman" pitchFamily="18" charset="0"/>
+              </a:rPr>
+              <a:t>Surface types</a:t>
+            </a:r>
+            <a:r>
+              <a:rPr lang="en-US" altLang="en-US" sz="3600" dirty="0">
+                <a:latin typeface="+mn-lt"/>
+                <a:cs typeface="Times New Roman" pitchFamily="18" charset="0"/>
+              </a:rPr>
+              <a:t>: 47.9% (832) textured surface, 52.1% (906)</a:t>
+            </a:r>
+          </a:p>
+          <a:p>
+            <a:pPr>
+              <a:buFont typeface="Arial" panose="020B0604020202020204" pitchFamily="34" charset="0"/>
+              <a:buChar char="•"/>
+            </a:pPr>
+            <a:endParaRPr lang="en-US" altLang="en-US" sz="3600" b="1" dirty="0">
+              <a:latin typeface="+mn-lt"/>
+              <a:cs typeface="Times New Roman" pitchFamily="18" charset="0"/>
+            </a:endParaRPr>
+          </a:p>
+        </p:txBody>
+      </p:sp>
+      <p:sp>
+        <p:nvSpPr>
+          <p:cNvPr id="91" name="TextBox 2"/>
           <p:cNvSpPr txBox="1">
             <a:spLocks noChangeArrowheads="1"/>
           </p:cNvSpPr>
@@ -6645,8 +6353,8 @@
         </p:nvSpPr>
         <p:spPr bwMode="auto">
           <a:xfrm>
-            <a:off x="17191889" y="18474910"/>
-            <a:ext cx="8742258" cy="4524301"/>
+            <a:off x="16894356" y="26367442"/>
+            <a:ext cx="8369194" cy="2185199"/>
           </a:xfrm>
           <a:prstGeom prst="rect">
             <a:avLst/>
@@ -6787,229 +6495,13 @@
             </a:lvl9pPr>
           </a:lstStyle>
           <a:p>
-            <a:pPr>
-              <a:buFont typeface="Arial" panose="020B0604020202020204" pitchFamily="34" charset="0"/>
-              <a:buChar char="•"/>
-            </a:pPr>
-            <a:r>
-              <a:rPr lang="en-US" altLang="en-US" sz="3600" b="1" dirty="0">
-                <a:latin typeface="+mn-lt"/>
-                <a:cs typeface="Times New Roman" pitchFamily="18" charset="0"/>
-              </a:rPr>
-              <a:t>Fill types: </a:t>
-            </a:r>
-            <a:r>
-              <a:rPr lang="en-US" altLang="en-US" sz="3600" dirty="0">
-                <a:latin typeface="+mn-lt"/>
-                <a:cs typeface="Times New Roman" pitchFamily="18" charset="0"/>
-              </a:rPr>
-              <a:t>35%  Saline vs. 52% Silicone in MDRs, and 44% Saline vs. 56% Silicone in literature.</a:t>
-            </a:r>
-          </a:p>
-          <a:p>
-            <a:pPr>
-              <a:buFont typeface="Arial" panose="020B0604020202020204" pitchFamily="34" charset="0"/>
-              <a:buChar char="•"/>
-            </a:pPr>
-            <a:endParaRPr lang="en-US" altLang="en-US" sz="3600" dirty="0">
-              <a:latin typeface="+mn-lt"/>
-              <a:cs typeface="Times New Roman" pitchFamily="18" charset="0"/>
-            </a:endParaRPr>
-          </a:p>
-          <a:p>
-            <a:pPr>
-              <a:buFont typeface="Arial" panose="020B0604020202020204" pitchFamily="34" charset="0"/>
-              <a:buChar char="•"/>
-            </a:pPr>
-            <a:r>
-              <a:rPr lang="en-US" altLang="en-US" sz="3600" b="1" dirty="0">
-                <a:latin typeface="+mn-lt"/>
-                <a:cs typeface="Times New Roman" pitchFamily="18" charset="0"/>
-              </a:rPr>
-              <a:t>Surface types</a:t>
-            </a:r>
-            <a:r>
-              <a:rPr lang="en-US" altLang="en-US" sz="3600" dirty="0">
-                <a:latin typeface="+mn-lt"/>
-                <a:cs typeface="Times New Roman" pitchFamily="18" charset="0"/>
-              </a:rPr>
-              <a:t>: textured surface was much more frequent than smooth surface </a:t>
-            </a:r>
-            <a:r>
-              <a:rPr lang="en-US" altLang="en-US" sz="3600" dirty="0">
-                <a:cs typeface="Times New Roman" pitchFamily="18" charset="0"/>
-              </a:rPr>
-              <a:t>(90% vs 1% </a:t>
-            </a:r>
-            <a:r>
-              <a:rPr lang="en-US" altLang="en-US" sz="3600" dirty="0">
-                <a:latin typeface="+mn-lt"/>
-                <a:cs typeface="Times New Roman" pitchFamily="18" charset="0"/>
-              </a:rPr>
-              <a:t>in literature, and 57% vs 8% in MDR).</a:t>
-            </a:r>
-          </a:p>
-        </p:txBody>
-      </p:sp>
-      <p:sp>
-        <p:nvSpPr>
-          <p:cNvPr id="91" name="TextBox 2"/>
-          <p:cNvSpPr txBox="1">
-            <a:spLocks noChangeArrowheads="1"/>
-          </p:cNvSpPr>
-          <p:nvPr/>
-        </p:nvSpPr>
-        <p:spPr bwMode="auto">
-          <a:xfrm>
-            <a:off x="26250765" y="23588214"/>
-            <a:ext cx="8291752" cy="1138759"/>
-          </a:xfrm>
-          <a:prstGeom prst="rect">
-            <a:avLst/>
-          </a:prstGeom>
-          <a:noFill/>
-          <a:ln>
-            <a:noFill/>
-          </a:ln>
-          <a:extLst>
-            <a:ext uri="{909E8E84-426E-40DD-AFC4-6F175D3DCCD1}">
-              <a14:hiddenFill xmlns:a14="http://schemas.microsoft.com/office/drawing/2010/main">
-                <a:solidFill>
-                  <a:srgbClr val="FFFFFF"/>
-                </a:solidFill>
-              </a14:hiddenFill>
-            </a:ext>
-            <a:ext uri="{91240B29-F687-4F45-9708-019B960494DF}">
-              <a14:hiddenLine xmlns:a14="http://schemas.microsoft.com/office/drawing/2010/main" w="9525">
-                <a:solidFill>
-                  <a:srgbClr val="000000"/>
-                </a:solidFill>
-                <a:miter lim="800000"/>
-                <a:headEnd/>
-                <a:tailEnd/>
-              </a14:hiddenLine>
-            </a:ext>
-          </a:extLst>
-        </p:spPr>
-        <p:txBody>
-          <a:bodyPr wrap="square" lIns="91427" tIns="45713" rIns="91427" bIns="45713">
-            <a:spAutoFit/>
-          </a:bodyPr>
-          <a:lstStyle>
-            <a:lvl1pPr marL="685800" indent="-685800" eaLnBrk="0" hangingPunct="0">
-              <a:defRPr sz="9800">
-                <a:solidFill>
-                  <a:schemeClr val="tx1"/>
-                </a:solidFill>
-                <a:latin typeface="Calibri" pitchFamily="34" charset="0"/>
-                <a:cs typeface="Arial" charset="0"/>
-              </a:defRPr>
-            </a:lvl1pPr>
-            <a:lvl2pPr marL="742950" indent="-285750" eaLnBrk="0" hangingPunct="0">
-              <a:defRPr sz="9800">
-                <a:solidFill>
-                  <a:schemeClr val="tx1"/>
-                </a:solidFill>
-                <a:latin typeface="Calibri" pitchFamily="34" charset="0"/>
-                <a:cs typeface="Arial" charset="0"/>
-              </a:defRPr>
-            </a:lvl2pPr>
-            <a:lvl3pPr marL="1143000" indent="-228600" eaLnBrk="0" hangingPunct="0">
-              <a:defRPr sz="9800">
-                <a:solidFill>
-                  <a:schemeClr val="tx1"/>
-                </a:solidFill>
-                <a:latin typeface="Calibri" pitchFamily="34" charset="0"/>
-                <a:cs typeface="Arial" charset="0"/>
-              </a:defRPr>
-            </a:lvl3pPr>
-            <a:lvl4pPr marL="1600200" indent="-228600" eaLnBrk="0" hangingPunct="0">
-              <a:defRPr sz="9800">
-                <a:solidFill>
-                  <a:schemeClr val="tx1"/>
-                </a:solidFill>
-                <a:latin typeface="Calibri" pitchFamily="34" charset="0"/>
-                <a:cs typeface="Arial" charset="0"/>
-              </a:defRPr>
-            </a:lvl4pPr>
-            <a:lvl5pPr marL="2057400" indent="-228600" eaLnBrk="0" hangingPunct="0">
-              <a:defRPr sz="9800">
-                <a:solidFill>
-                  <a:schemeClr val="tx1"/>
-                </a:solidFill>
-                <a:latin typeface="Calibri" pitchFamily="34" charset="0"/>
-                <a:cs typeface="Arial" charset="0"/>
-              </a:defRPr>
-            </a:lvl5pPr>
-            <a:lvl6pPr marL="2514600" indent="-228600" defTabSz="4962525" eaLnBrk="0" fontAlgn="base" hangingPunct="0">
-              <a:spcBef>
-                <a:spcPct val="0"/>
-              </a:spcBef>
-              <a:spcAft>
-                <a:spcPct val="0"/>
-              </a:spcAft>
-              <a:defRPr sz="9800">
-                <a:solidFill>
-                  <a:schemeClr val="tx1"/>
-                </a:solidFill>
-                <a:latin typeface="Calibri" pitchFamily="34" charset="0"/>
-                <a:cs typeface="Arial" charset="0"/>
-              </a:defRPr>
-            </a:lvl6pPr>
-            <a:lvl7pPr marL="2971800" indent="-228600" defTabSz="4962525" eaLnBrk="0" fontAlgn="base" hangingPunct="0">
-              <a:spcBef>
-                <a:spcPct val="0"/>
-              </a:spcBef>
-              <a:spcAft>
-                <a:spcPct val="0"/>
-              </a:spcAft>
-              <a:defRPr sz="9800">
-                <a:solidFill>
-                  <a:schemeClr val="tx1"/>
-                </a:solidFill>
-                <a:latin typeface="Calibri" pitchFamily="34" charset="0"/>
-                <a:cs typeface="Arial" charset="0"/>
-              </a:defRPr>
-            </a:lvl7pPr>
-            <a:lvl8pPr marL="3429000" indent="-228600" defTabSz="4962525" eaLnBrk="0" fontAlgn="base" hangingPunct="0">
-              <a:spcBef>
-                <a:spcPct val="0"/>
-              </a:spcBef>
-              <a:spcAft>
-                <a:spcPct val="0"/>
-              </a:spcAft>
-              <a:defRPr sz="9800">
-                <a:solidFill>
-                  <a:schemeClr val="tx1"/>
-                </a:solidFill>
-                <a:latin typeface="Calibri" pitchFamily="34" charset="0"/>
-                <a:cs typeface="Arial" charset="0"/>
-              </a:defRPr>
-            </a:lvl8pPr>
-            <a:lvl9pPr marL="3886200" indent="-228600" defTabSz="4962525" eaLnBrk="0" fontAlgn="base" hangingPunct="0">
-              <a:spcBef>
-                <a:spcPct val="0"/>
-              </a:spcBef>
-              <a:spcAft>
-                <a:spcPct val="0"/>
-              </a:spcAft>
-              <a:defRPr sz="9800">
-                <a:solidFill>
-                  <a:schemeClr val="tx1"/>
-                </a:solidFill>
-                <a:latin typeface="Calibri" pitchFamily="34" charset="0"/>
-                <a:cs typeface="Arial" charset="0"/>
-              </a:defRPr>
-            </a:lvl9pPr>
-          </a:lstStyle>
-          <a:p>
             <a:pPr marL="0" indent="0"/>
             <a:r>
               <a:rPr lang="en-US" altLang="en-US" sz="3400" dirty="0">
                 <a:latin typeface="+mn-lt"/>
                 <a:cs typeface="Times New Roman" pitchFamily="18" charset="0"/>
               </a:rPr>
-              <a:t>Figure 2. Major device characteristics from ALCL reported from literature and from MDRs</a:t>
+              <a:t>Figure 2. Protégé’s ontology representation with reasoning. The main class (breast implant device) is expanded to show the 8 FDA approved devices as well as defined classes.</a:t>
             </a:r>
           </a:p>
         </p:txBody>
@@ -7022,8 +6514,8 @@
         </p:nvSpPr>
         <p:spPr>
           <a:xfrm>
-            <a:off x="35864470" y="27299443"/>
-            <a:ext cx="12715875" cy="3970318"/>
+            <a:off x="35653010" y="25345580"/>
+            <a:ext cx="12715875" cy="5632311"/>
           </a:xfrm>
           <a:prstGeom prst="rect">
             <a:avLst/>
@@ -7046,554 +6538,335 @@
             </a:pPr>
             <a:r>
               <a:rPr lang="en-US" sz="3600" dirty="0"/>
-              <a:t>While the MDR system is a valuable source of information, this passive surveillance system has limitations, including incomplete, inaccurate, untimely, unverified, or biased data in the reports. In addition, the incidence or prevalence of an event cannot be determined from this reporting system alone due to potential under-reporting, duplicate reporting of events, and the lack of information about the total number of breast implants.</a:t>
-            </a:r>
-          </a:p>
-        </p:txBody>
-      </p:sp>
-      <p:sp>
-        <p:nvSpPr>
-          <p:cNvPr id="100" name="TextBox 2"/>
-          <p:cNvSpPr txBox="1">
-            <a:spLocks noChangeArrowheads="1"/>
-          </p:cNvSpPr>
-          <p:nvPr/>
-        </p:nvSpPr>
-        <p:spPr bwMode="auto">
-          <a:xfrm>
-            <a:off x="26464301" y="34785228"/>
-            <a:ext cx="8001000" cy="1138759"/>
-          </a:xfrm>
-          <a:prstGeom prst="rect">
-            <a:avLst/>
-          </a:prstGeom>
-          <a:noFill/>
-          <a:ln>
-            <a:noFill/>
-          </a:ln>
-          <a:extLst>
-            <a:ext uri="{909E8E84-426E-40DD-AFC4-6F175D3DCCD1}">
-              <a14:hiddenFill xmlns:a14="http://schemas.microsoft.com/office/drawing/2010/main">
-                <a:solidFill>
-                  <a:srgbClr val="FFFFFF"/>
-                </a:solidFill>
-              </a14:hiddenFill>
-            </a:ext>
-            <a:ext uri="{91240B29-F687-4F45-9708-019B960494DF}">
-              <a14:hiddenLine xmlns:a14="http://schemas.microsoft.com/office/drawing/2010/main" w="9525">
-                <a:solidFill>
-                  <a:srgbClr val="000000"/>
-                </a:solidFill>
-                <a:miter lim="800000"/>
-                <a:headEnd/>
-                <a:tailEnd/>
-              </a14:hiddenLine>
-            </a:ext>
-          </a:extLst>
-        </p:spPr>
-        <p:txBody>
-          <a:bodyPr wrap="square" lIns="91427" tIns="45713" rIns="91427" bIns="45713">
-            <a:spAutoFit/>
-          </a:bodyPr>
-          <a:lstStyle>
-            <a:lvl1pPr marL="685800" indent="-685800" eaLnBrk="0" hangingPunct="0">
-              <a:defRPr sz="9800">
-                <a:solidFill>
-                  <a:schemeClr val="tx1"/>
-                </a:solidFill>
-                <a:latin typeface="Calibri" pitchFamily="34" charset="0"/>
-                <a:cs typeface="Arial" charset="0"/>
-              </a:defRPr>
-            </a:lvl1pPr>
-            <a:lvl2pPr marL="742950" indent="-285750" eaLnBrk="0" hangingPunct="0">
-              <a:defRPr sz="9800">
-                <a:solidFill>
-                  <a:schemeClr val="tx1"/>
-                </a:solidFill>
-                <a:latin typeface="Calibri" pitchFamily="34" charset="0"/>
-                <a:cs typeface="Arial" charset="0"/>
-              </a:defRPr>
-            </a:lvl2pPr>
-            <a:lvl3pPr marL="1143000" indent="-228600" eaLnBrk="0" hangingPunct="0">
-              <a:defRPr sz="9800">
-                <a:solidFill>
-                  <a:schemeClr val="tx1"/>
-                </a:solidFill>
-                <a:latin typeface="Calibri" pitchFamily="34" charset="0"/>
-                <a:cs typeface="Arial" charset="0"/>
-              </a:defRPr>
-            </a:lvl3pPr>
-            <a:lvl4pPr marL="1600200" indent="-228600" eaLnBrk="0" hangingPunct="0">
-              <a:defRPr sz="9800">
-                <a:solidFill>
-                  <a:schemeClr val="tx1"/>
-                </a:solidFill>
-                <a:latin typeface="Calibri" pitchFamily="34" charset="0"/>
-                <a:cs typeface="Arial" charset="0"/>
-              </a:defRPr>
-            </a:lvl4pPr>
-            <a:lvl5pPr marL="2057400" indent="-228600" eaLnBrk="0" hangingPunct="0">
-              <a:defRPr sz="9800">
-                <a:solidFill>
-                  <a:schemeClr val="tx1"/>
-                </a:solidFill>
-                <a:latin typeface="Calibri" pitchFamily="34" charset="0"/>
-                <a:cs typeface="Arial" charset="0"/>
-              </a:defRPr>
-            </a:lvl5pPr>
-            <a:lvl6pPr marL="2514600" indent="-228600" defTabSz="4962525" eaLnBrk="0" fontAlgn="base" hangingPunct="0">
-              <a:spcBef>
-                <a:spcPct val="0"/>
-              </a:spcBef>
-              <a:spcAft>
-                <a:spcPct val="0"/>
-              </a:spcAft>
-              <a:defRPr sz="9800">
-                <a:solidFill>
-                  <a:schemeClr val="tx1"/>
-                </a:solidFill>
-                <a:latin typeface="Calibri" pitchFamily="34" charset="0"/>
-                <a:cs typeface="Arial" charset="0"/>
-              </a:defRPr>
-            </a:lvl6pPr>
-            <a:lvl7pPr marL="2971800" indent="-228600" defTabSz="4962525" eaLnBrk="0" fontAlgn="base" hangingPunct="0">
-              <a:spcBef>
-                <a:spcPct val="0"/>
-              </a:spcBef>
-              <a:spcAft>
-                <a:spcPct val="0"/>
-              </a:spcAft>
-              <a:defRPr sz="9800">
-                <a:solidFill>
-                  <a:schemeClr val="tx1"/>
-                </a:solidFill>
-                <a:latin typeface="Calibri" pitchFamily="34" charset="0"/>
-                <a:cs typeface="Arial" charset="0"/>
-              </a:defRPr>
-            </a:lvl7pPr>
-            <a:lvl8pPr marL="3429000" indent="-228600" defTabSz="4962525" eaLnBrk="0" fontAlgn="base" hangingPunct="0">
-              <a:spcBef>
-                <a:spcPct val="0"/>
-              </a:spcBef>
-              <a:spcAft>
-                <a:spcPct val="0"/>
-              </a:spcAft>
-              <a:defRPr sz="9800">
-                <a:solidFill>
-                  <a:schemeClr val="tx1"/>
-                </a:solidFill>
-                <a:latin typeface="Calibri" pitchFamily="34" charset="0"/>
-                <a:cs typeface="Arial" charset="0"/>
-              </a:defRPr>
-            </a:lvl8pPr>
-            <a:lvl9pPr marL="3886200" indent="-228600" defTabSz="4962525" eaLnBrk="0" fontAlgn="base" hangingPunct="0">
-              <a:spcBef>
-                <a:spcPct val="0"/>
-              </a:spcBef>
-              <a:spcAft>
-                <a:spcPct val="0"/>
-              </a:spcAft>
-              <a:defRPr sz="9800">
-                <a:solidFill>
-                  <a:schemeClr val="tx1"/>
-                </a:solidFill>
-                <a:latin typeface="Calibri" pitchFamily="34" charset="0"/>
-                <a:cs typeface="Arial" charset="0"/>
-              </a:defRPr>
-            </a:lvl9pPr>
-          </a:lstStyle>
-          <a:p>
-            <a:pPr marL="0" indent="0" algn="ctr"/>
-            <a:r>
-              <a:rPr lang="en-US" altLang="en-US" sz="3400" dirty="0">
-                <a:latin typeface="+mn-lt"/>
-                <a:cs typeface="Times New Roman" pitchFamily="18" charset="0"/>
-              </a:rPr>
-              <a:t>Figure 3. Reported presentations in breasts </a:t>
-            </a:r>
-          </a:p>
-          <a:p>
-            <a:pPr marL="0" indent="0" algn="ctr"/>
-            <a:r>
-              <a:rPr lang="en-US" altLang="en-US" sz="3400" dirty="0">
-                <a:latin typeface="+mn-lt"/>
-                <a:cs typeface="Times New Roman" pitchFamily="18" charset="0"/>
-              </a:rPr>
-              <a:t>(MDR data)</a:t>
-            </a:r>
-          </a:p>
-        </p:txBody>
-      </p:sp>
-      <p:sp>
-        <p:nvSpPr>
-          <p:cNvPr id="171" name="Snip Single Corner Rectangle 170"/>
-          <p:cNvSpPr/>
-          <p:nvPr/>
-        </p:nvSpPr>
-        <p:spPr>
-          <a:xfrm flipH="1">
-            <a:off x="35514562" y="9138161"/>
-            <a:ext cx="13290359" cy="16889495"/>
-          </a:xfrm>
-          <a:prstGeom prst="snip1Rect">
-            <a:avLst>
-              <a:gd name="adj" fmla="val 0"/>
-            </a:avLst>
-          </a:prstGeom>
-          <a:solidFill>
-            <a:schemeClr val="accent1">
-              <a:lumMod val="20000"/>
-              <a:lumOff val="80000"/>
-            </a:schemeClr>
-          </a:solidFill>
-          <a:ln>
-            <a:noFill/>
-          </a:ln>
-        </p:spPr>
-        <p:style>
-          <a:lnRef idx="2">
-            <a:schemeClr val="accent1">
-              <a:shade val="50000"/>
-            </a:schemeClr>
-          </a:lnRef>
-          <a:fillRef idx="1">
-            <a:schemeClr val="accent1"/>
-          </a:fillRef>
-          <a:effectRef idx="0">
-            <a:schemeClr val="accent1"/>
-          </a:effectRef>
-          <a:fontRef idx="minor">
-            <a:schemeClr val="lt1"/>
-          </a:fontRef>
-        </p:style>
-        <p:txBody>
-          <a:bodyPr rtlCol="0" anchor="ctr"/>
-          <a:lstStyle/>
-          <a:p>
-            <a:pPr algn="ctr"/>
-            <a:endParaRPr lang="en-US" dirty="0">
-              <a:solidFill>
-                <a:sysClr val="windowText" lastClr="000000"/>
-              </a:solidFill>
-            </a:endParaRPr>
-          </a:p>
-        </p:txBody>
-      </p:sp>
-      <p:sp>
-        <p:nvSpPr>
-          <p:cNvPr id="89" name="TextBox 2"/>
-          <p:cNvSpPr txBox="1">
-            <a:spLocks noChangeArrowheads="1"/>
-          </p:cNvSpPr>
-          <p:nvPr/>
-        </p:nvSpPr>
-        <p:spPr bwMode="auto">
-          <a:xfrm>
-            <a:off x="36231925" y="11459016"/>
-            <a:ext cx="12625721" cy="1908201"/>
-          </a:xfrm>
-          <a:prstGeom prst="rect">
-            <a:avLst/>
-          </a:prstGeom>
-          <a:noFill/>
-          <a:ln>
-            <a:noFill/>
-          </a:ln>
-          <a:extLst>
-            <a:ext uri="{909E8E84-426E-40DD-AFC4-6F175D3DCCD1}">
-              <a14:hiddenFill xmlns:a14="http://schemas.microsoft.com/office/drawing/2010/main">
-                <a:solidFill>
-                  <a:srgbClr val="FFFFFF"/>
-                </a:solidFill>
-              </a14:hiddenFill>
-            </a:ext>
-            <a:ext uri="{91240B29-F687-4F45-9708-019B960494DF}">
-              <a14:hiddenLine xmlns:a14="http://schemas.microsoft.com/office/drawing/2010/main" w="9525">
-                <a:solidFill>
-                  <a:srgbClr val="000000"/>
-                </a:solidFill>
-                <a:miter lim="800000"/>
-                <a:headEnd/>
-                <a:tailEnd/>
-              </a14:hiddenLine>
-            </a:ext>
-          </a:extLst>
-        </p:spPr>
-        <p:txBody>
-          <a:bodyPr wrap="square" lIns="91427" tIns="45713" rIns="91427" bIns="45713">
-            <a:spAutoFit/>
-          </a:bodyPr>
-          <a:lstStyle>
-            <a:lvl1pPr marL="685800" indent="-685800" eaLnBrk="0" hangingPunct="0">
-              <a:defRPr sz="9800">
-                <a:solidFill>
-                  <a:schemeClr val="tx1"/>
-                </a:solidFill>
-                <a:latin typeface="Calibri" pitchFamily="34" charset="0"/>
-                <a:cs typeface="Arial" charset="0"/>
-              </a:defRPr>
-            </a:lvl1pPr>
-            <a:lvl2pPr marL="742950" indent="-285750" eaLnBrk="0" hangingPunct="0">
-              <a:defRPr sz="9800">
-                <a:solidFill>
-                  <a:schemeClr val="tx1"/>
-                </a:solidFill>
-                <a:latin typeface="Calibri" pitchFamily="34" charset="0"/>
-                <a:cs typeface="Arial" charset="0"/>
-              </a:defRPr>
-            </a:lvl2pPr>
-            <a:lvl3pPr marL="1143000" indent="-228600" eaLnBrk="0" hangingPunct="0">
-              <a:defRPr sz="9800">
-                <a:solidFill>
-                  <a:schemeClr val="tx1"/>
-                </a:solidFill>
-                <a:latin typeface="Calibri" pitchFamily="34" charset="0"/>
-                <a:cs typeface="Arial" charset="0"/>
-              </a:defRPr>
-            </a:lvl3pPr>
-            <a:lvl4pPr marL="1600200" indent="-228600" eaLnBrk="0" hangingPunct="0">
-              <a:defRPr sz="9800">
-                <a:solidFill>
-                  <a:schemeClr val="tx1"/>
-                </a:solidFill>
-                <a:latin typeface="Calibri" pitchFamily="34" charset="0"/>
-                <a:cs typeface="Arial" charset="0"/>
-              </a:defRPr>
-            </a:lvl4pPr>
-            <a:lvl5pPr marL="2057400" indent="-228600" eaLnBrk="0" hangingPunct="0">
-              <a:defRPr sz="9800">
-                <a:solidFill>
-                  <a:schemeClr val="tx1"/>
-                </a:solidFill>
-                <a:latin typeface="Calibri" pitchFamily="34" charset="0"/>
-                <a:cs typeface="Arial" charset="0"/>
-              </a:defRPr>
-            </a:lvl5pPr>
-            <a:lvl6pPr marL="2514600" indent="-228600" defTabSz="4962525" eaLnBrk="0" fontAlgn="base" hangingPunct="0">
-              <a:spcBef>
-                <a:spcPct val="0"/>
-              </a:spcBef>
-              <a:spcAft>
-                <a:spcPct val="0"/>
-              </a:spcAft>
-              <a:defRPr sz="9800">
-                <a:solidFill>
-                  <a:schemeClr val="tx1"/>
-                </a:solidFill>
-                <a:latin typeface="Calibri" pitchFamily="34" charset="0"/>
-                <a:cs typeface="Arial" charset="0"/>
-              </a:defRPr>
-            </a:lvl6pPr>
-            <a:lvl7pPr marL="2971800" indent="-228600" defTabSz="4962525" eaLnBrk="0" fontAlgn="base" hangingPunct="0">
-              <a:spcBef>
-                <a:spcPct val="0"/>
-              </a:spcBef>
-              <a:spcAft>
-                <a:spcPct val="0"/>
-              </a:spcAft>
-              <a:defRPr sz="9800">
-                <a:solidFill>
-                  <a:schemeClr val="tx1"/>
-                </a:solidFill>
-                <a:latin typeface="Calibri" pitchFamily="34" charset="0"/>
-                <a:cs typeface="Arial" charset="0"/>
-              </a:defRPr>
-            </a:lvl7pPr>
-            <a:lvl8pPr marL="3429000" indent="-228600" defTabSz="4962525" eaLnBrk="0" fontAlgn="base" hangingPunct="0">
-              <a:spcBef>
-                <a:spcPct val="0"/>
-              </a:spcBef>
-              <a:spcAft>
-                <a:spcPct val="0"/>
-              </a:spcAft>
-              <a:defRPr sz="9800">
-                <a:solidFill>
-                  <a:schemeClr val="tx1"/>
-                </a:solidFill>
-                <a:latin typeface="Calibri" pitchFamily="34" charset="0"/>
-                <a:cs typeface="Arial" charset="0"/>
-              </a:defRPr>
-            </a:lvl8pPr>
-            <a:lvl9pPr marL="3886200" indent="-228600" defTabSz="4962525" eaLnBrk="0" fontAlgn="base" hangingPunct="0">
-              <a:spcBef>
-                <a:spcPct val="0"/>
-              </a:spcBef>
-              <a:spcAft>
-                <a:spcPct val="0"/>
-              </a:spcAft>
-              <a:defRPr sz="9800">
-                <a:solidFill>
-                  <a:schemeClr val="tx1"/>
-                </a:solidFill>
-                <a:latin typeface="Calibri" pitchFamily="34" charset="0"/>
-                <a:cs typeface="Arial" charset="0"/>
-              </a:defRPr>
-            </a:lvl9pPr>
-          </a:lstStyle>
-          <a:p>
-            <a:pPr marL="0" indent="0" eaLnBrk="1" hangingPunct="1">
-              <a:spcBef>
-                <a:spcPts val="600"/>
-              </a:spcBef>
-              <a:spcAft>
-                <a:spcPts val="600"/>
-              </a:spcAft>
-              <a:defRPr/>
-            </a:pPr>
-            <a:r>
-              <a:rPr lang="en-US" altLang="en-US" sz="3600" dirty="0">
-                <a:latin typeface="+mn-lt"/>
-                <a:cs typeface="Times New Roman" pitchFamily="18" charset="0"/>
-              </a:rPr>
-              <a:t>On 3/23/2017, FDA updated the ALCL website: </a:t>
-            </a:r>
-          </a:p>
-          <a:p>
-            <a:pPr marL="276225" indent="-276225" eaLnBrk="1" hangingPunct="1">
-              <a:spcBef>
-                <a:spcPts val="600"/>
-              </a:spcBef>
-              <a:spcAft>
-                <a:spcPts val="600"/>
-              </a:spcAft>
-              <a:buFont typeface="Arial" panose="020B0604020202020204" pitchFamily="34" charset="0"/>
-              <a:buChar char="•"/>
-              <a:defRPr/>
-            </a:pPr>
-            <a:r>
-              <a:rPr lang="en-US" altLang="en-US" sz="3600" dirty="0">
-                <a:latin typeface="+mn-lt"/>
-                <a:cs typeface="Times New Roman" pitchFamily="18" charset="0"/>
-              </a:rPr>
-              <a:t>Updated analysis on received ALCL cases from MDRs and literature</a:t>
-            </a:r>
-          </a:p>
-        </p:txBody>
-      </p:sp>
-      <p:pic>
-        <p:nvPicPr>
-          <p:cNvPr id="2" name="Picture 2"/>
-          <p:cNvPicPr>
-            <a:picLocks noChangeAspect="1" noChangeArrowheads="1"/>
-          </p:cNvPicPr>
-          <p:nvPr/>
-        </p:nvPicPr>
-        <p:blipFill>
-          <a:blip r:embed="rId6">
+              <a:t>While GUDID provides a valuable source of data on breast implants, several inconsistencies and complications arise in its use. Medical device manufacturers, who submit device information, may not label and describe their devices the same way as other manufacturers. Additionally, it may not be as up-to-date as actual device information. As such, cross-verification with other sources of information (e.g. company catalogs) were required for validation. GUDID also does not provide specific device dimensions, such as width, height, or projection; relevant information was also extracted from company catalogs.</a:t>
+            </a:r>
+          </a:p>
+        </p:txBody>
+      </p:sp>
+      <p:grpSp>
+        <p:nvGrpSpPr>
+          <p:cNvPr id="13" name="Group 12">
             <a:extLst>
-              <a:ext uri="{28A0092B-C50C-407E-A947-70E740481C1C}">
-                <a14:useLocalDpi xmlns:a14="http://schemas.microsoft.com/office/drawing/2010/main" val="0"/>
+              <a:ext uri="{FF2B5EF4-FFF2-40B4-BE49-F238E27FC236}">
+                <a16:creationId xmlns:a16="http://schemas.microsoft.com/office/drawing/2014/main" id="{E971DDD7-399E-4176-AF05-5D8AA447F033}"/>
               </a:ext>
             </a:extLst>
-          </a:blip>
-          <a:srcRect/>
-          <a:stretch>
-            <a:fillRect/>
-          </a:stretch>
-        </p:blipFill>
-        <p:spPr bwMode="auto">
+          </p:cNvPr>
+          <p:cNvGrpSpPr/>
+          <p:nvPr/>
+        </p:nvGrpSpPr>
+        <p:grpSpPr>
           <a:xfrm>
-            <a:off x="37586324" y="13424238"/>
-            <a:ext cx="8326931" cy="12058779"/>
+            <a:off x="35506960" y="9128859"/>
+            <a:ext cx="13290359" cy="14095042"/>
+            <a:chOff x="35470169" y="9165149"/>
+            <a:chExt cx="13290359" cy="14058751"/>
           </a:xfrm>
-          <a:prstGeom prst="rect">
-            <a:avLst/>
-          </a:prstGeom>
-          <a:noFill/>
-          <a:ln>
+        </p:grpSpPr>
+        <p:grpSp>
+          <p:nvGrpSpPr>
+            <p:cNvPr id="12" name="Group 11">
+              <a:extLst>
+                <a:ext uri="{FF2B5EF4-FFF2-40B4-BE49-F238E27FC236}">
+                  <a16:creationId xmlns:a16="http://schemas.microsoft.com/office/drawing/2014/main" id="{96121764-2C02-43E7-8D48-660DFCC68DF2}"/>
+                </a:ext>
+              </a:extLst>
+            </p:cNvPr>
+            <p:cNvGrpSpPr/>
+            <p:nvPr/>
+          </p:nvGrpSpPr>
+          <p:grpSpPr>
+            <a:xfrm>
+              <a:off x="35470169" y="9165149"/>
+              <a:ext cx="13290359" cy="14058751"/>
+              <a:chOff x="35653010" y="9067106"/>
+              <a:chExt cx="13290359" cy="13366406"/>
+            </a:xfrm>
+          </p:grpSpPr>
+          <p:sp>
+            <p:nvSpPr>
+              <p:cNvPr id="171" name="Snip Single Corner Rectangle 170"/>
+              <p:cNvSpPr/>
+              <p:nvPr/>
+            </p:nvSpPr>
+            <p:spPr>
+              <a:xfrm flipH="1">
+                <a:off x="35653010" y="9067106"/>
+                <a:ext cx="13290359" cy="13366406"/>
+              </a:xfrm>
+              <a:prstGeom prst="snip1Rect">
+                <a:avLst>
+                  <a:gd name="adj" fmla="val 0"/>
+                </a:avLst>
+              </a:prstGeom>
+              <a:solidFill>
+                <a:schemeClr val="accent1">
+                  <a:lumMod val="20000"/>
+                  <a:lumOff val="80000"/>
+                </a:schemeClr>
+              </a:solidFill>
+              <a:ln>
+                <a:noFill/>
+              </a:ln>
+            </p:spPr>
+            <p:style>
+              <a:lnRef idx="2">
+                <a:schemeClr val="accent1">
+                  <a:shade val="50000"/>
+                </a:schemeClr>
+              </a:lnRef>
+              <a:fillRef idx="1">
+                <a:schemeClr val="accent1"/>
+              </a:fillRef>
+              <a:effectRef idx="0">
+                <a:schemeClr val="accent1"/>
+              </a:effectRef>
+              <a:fontRef idx="minor">
+                <a:schemeClr val="lt1"/>
+              </a:fontRef>
+            </p:style>
+            <p:txBody>
+              <a:bodyPr rtlCol="0" anchor="ctr"/>
+              <a:lstStyle/>
+              <a:p>
+                <a:pPr algn="ctr"/>
+                <a:endParaRPr lang="en-US" dirty="0">
+                  <a:solidFill>
+                    <a:sysClr val="windowText" lastClr="000000"/>
+                  </a:solidFill>
+                </a:endParaRPr>
+              </a:p>
+            </p:txBody>
+          </p:sp>
+          <p:sp>
+            <p:nvSpPr>
+              <p:cNvPr id="123" name="Rectangle 122">
+                <a:extLst>
+                  <a:ext uri="{FF2B5EF4-FFF2-40B4-BE49-F238E27FC236}">
+                    <a16:creationId xmlns:a16="http://schemas.microsoft.com/office/drawing/2014/main" id="{FDF4760C-1C5F-4A89-801B-6C61ACBAA9FD}"/>
+                  </a:ext>
+                </a:extLst>
+              </p:cNvPr>
+              <p:cNvSpPr/>
+              <p:nvPr/>
+            </p:nvSpPr>
+            <p:spPr>
+              <a:xfrm>
+                <a:off x="35653010" y="9067800"/>
+                <a:ext cx="13261402" cy="1087841"/>
+              </a:xfrm>
+              <a:prstGeom prst="rect">
+                <a:avLst/>
+              </a:prstGeom>
+              <a:solidFill>
+                <a:srgbClr val="254061"/>
+              </a:solidFill>
+              <a:ln>
+                <a:noFill/>
+              </a:ln>
+              <a:effectLst/>
+            </p:spPr>
+            <p:style>
+              <a:lnRef idx="3">
+                <a:schemeClr val="lt1"/>
+              </a:lnRef>
+              <a:fillRef idx="1">
+                <a:schemeClr val="accent1"/>
+              </a:fillRef>
+              <a:effectRef idx="1">
+                <a:schemeClr val="accent1"/>
+              </a:effectRef>
+              <a:fontRef idx="minor">
+                <a:schemeClr val="lt1"/>
+              </a:fontRef>
+            </p:style>
+            <p:txBody>
+              <a:bodyPr rtlCol="0" anchor="ctr"/>
+              <a:lstStyle/>
+              <a:p>
+                <a:r>
+                  <a:rPr lang="en-US" sz="5000" b="1" dirty="0"/>
+                  <a:t>  CONCLUSIONS AND DISCUSSIONS</a:t>
+                </a:r>
+              </a:p>
+            </p:txBody>
+          </p:sp>
+        </p:grpSp>
+        <p:sp>
+          <p:nvSpPr>
+            <p:cNvPr id="89" name="TextBox 2"/>
+            <p:cNvSpPr txBox="1">
+              <a:spLocks noChangeArrowheads="1"/>
+            </p:cNvSpPr>
+            <p:nvPr/>
+          </p:nvSpPr>
+          <p:spPr bwMode="auto">
+            <a:xfrm>
+              <a:off x="35831658" y="10722350"/>
+              <a:ext cx="12625721" cy="5002189"/>
+            </a:xfrm>
+            <a:prstGeom prst="rect">
+              <a:avLst/>
+            </a:prstGeom>
             <a:noFill/>
-          </a:ln>
-          <a:extLst>
-            <a:ext uri="{909E8E84-426E-40DD-AFC4-6F175D3DCCD1}">
-              <a14:hiddenFill xmlns:a14="http://schemas.microsoft.com/office/drawing/2010/main">
-                <a:solidFill>
-                  <a:schemeClr val="accent1"/>
-                </a:solidFill>
-              </a14:hiddenFill>
-            </a:ext>
-            <a:ext uri="{91240B29-F687-4F45-9708-019B960494DF}">
-              <a14:hiddenLine xmlns:a14="http://schemas.microsoft.com/office/drawing/2010/main" w="9525">
-                <a:solidFill>
-                  <a:schemeClr val="tx1"/>
-                </a:solidFill>
-                <a:miter lim="800000"/>
-                <a:headEnd/>
-                <a:tailEnd/>
-              </a14:hiddenLine>
-            </a:ext>
-          </a:extLst>
-        </p:spPr>
-      </p:pic>
-      <p:sp>
-        <p:nvSpPr>
-          <p:cNvPr id="243" name="Rectangle 242"/>
-          <p:cNvSpPr/>
-          <p:nvPr/>
-        </p:nvSpPr>
-        <p:spPr>
-          <a:xfrm>
-            <a:off x="39391675" y="22558085"/>
-            <a:ext cx="6306219" cy="2966940"/>
-          </a:xfrm>
-          <a:prstGeom prst="rect">
-            <a:avLst/>
-          </a:prstGeom>
-          <a:noFill/>
-          <a:ln>
-            <a:solidFill>
-              <a:srgbClr val="C00000"/>
-            </a:solidFill>
-          </a:ln>
-        </p:spPr>
-        <p:style>
-          <a:lnRef idx="2">
-            <a:schemeClr val="accent1">
-              <a:shade val="50000"/>
-            </a:schemeClr>
-          </a:lnRef>
-          <a:fillRef idx="1">
-            <a:schemeClr val="accent1"/>
-          </a:fillRef>
-          <a:effectRef idx="0">
-            <a:schemeClr val="accent1"/>
-          </a:effectRef>
-          <a:fontRef idx="minor">
-            <a:schemeClr val="lt1"/>
-          </a:fontRef>
-        </p:style>
-        <p:txBody>
-          <a:bodyPr rtlCol="0" anchor="ctr"/>
-          <a:lstStyle/>
-          <a:p>
-            <a:pPr algn="ctr"/>
-            <a:endParaRPr lang="en-US" dirty="0"/>
-          </a:p>
-        </p:txBody>
-      </p:sp>
-      <p:graphicFrame>
-        <p:nvGraphicFramePr>
-          <p:cNvPr id="108" name="Chart 107"/>
-          <p:cNvGraphicFramePr>
-            <a:graphicFrameLocks/>
-          </p:cNvGraphicFramePr>
-          <p:nvPr>
-            <p:extLst>
-              <p:ext uri="{D42A27DB-BD31-4B8C-83A1-F6EECF244321}">
-                <p14:modId xmlns:p14="http://schemas.microsoft.com/office/powerpoint/2010/main" val="3341574241"/>
-              </p:ext>
-            </p:extLst>
-          </p:nvPr>
-        </p:nvGraphicFramePr>
-        <p:xfrm>
-          <a:off x="25934148" y="17241714"/>
-          <a:ext cx="8012818" cy="6117900"/>
-        </p:xfrm>
-        <a:graphic>
-          <a:graphicData uri="http://schemas.openxmlformats.org/drawingml/2006/chart">
-            <c:chart xmlns:c="http://schemas.openxmlformats.org/drawingml/2006/chart" xmlns:r="http://schemas.openxmlformats.org/officeDocument/2006/relationships" r:id="rId7"/>
-          </a:graphicData>
-        </a:graphic>
-      </p:graphicFrame>
+            <a:ln>
+              <a:noFill/>
+            </a:ln>
+            <a:extLst>
+              <a:ext uri="{909E8E84-426E-40DD-AFC4-6F175D3DCCD1}">
+                <a14:hiddenFill xmlns:a14="http://schemas.microsoft.com/office/drawing/2010/main">
+                  <a:solidFill>
+                    <a:srgbClr val="FFFFFF"/>
+                  </a:solidFill>
+                </a14:hiddenFill>
+              </a:ext>
+              <a:ext uri="{91240B29-F687-4F45-9708-019B960494DF}">
+                <a14:hiddenLine xmlns:a14="http://schemas.microsoft.com/office/drawing/2010/main" w="9525">
+                  <a:solidFill>
+                    <a:srgbClr val="000000"/>
+                  </a:solidFill>
+                  <a:miter lim="800000"/>
+                  <a:headEnd/>
+                  <a:tailEnd/>
+                </a14:hiddenLine>
+              </a:ext>
+            </a:extLst>
+          </p:spPr>
+          <p:txBody>
+            <a:bodyPr wrap="square" lIns="91427" tIns="45713" rIns="91427" bIns="45713">
+              <a:spAutoFit/>
+            </a:bodyPr>
+            <a:lstStyle>
+              <a:lvl1pPr marL="685800" indent="-685800" eaLnBrk="0" hangingPunct="0">
+                <a:defRPr sz="9800">
+                  <a:solidFill>
+                    <a:schemeClr val="tx1"/>
+                  </a:solidFill>
+                  <a:latin typeface="Calibri" pitchFamily="34" charset="0"/>
+                  <a:cs typeface="Arial" charset="0"/>
+                </a:defRPr>
+              </a:lvl1pPr>
+              <a:lvl2pPr marL="742950" indent="-285750" eaLnBrk="0" hangingPunct="0">
+                <a:defRPr sz="9800">
+                  <a:solidFill>
+                    <a:schemeClr val="tx1"/>
+                  </a:solidFill>
+                  <a:latin typeface="Calibri" pitchFamily="34" charset="0"/>
+                  <a:cs typeface="Arial" charset="0"/>
+                </a:defRPr>
+              </a:lvl2pPr>
+              <a:lvl3pPr marL="1143000" indent="-228600" eaLnBrk="0" hangingPunct="0">
+                <a:defRPr sz="9800">
+                  <a:solidFill>
+                    <a:schemeClr val="tx1"/>
+                  </a:solidFill>
+                  <a:latin typeface="Calibri" pitchFamily="34" charset="0"/>
+                  <a:cs typeface="Arial" charset="0"/>
+                </a:defRPr>
+              </a:lvl3pPr>
+              <a:lvl4pPr marL="1600200" indent="-228600" eaLnBrk="0" hangingPunct="0">
+                <a:defRPr sz="9800">
+                  <a:solidFill>
+                    <a:schemeClr val="tx1"/>
+                  </a:solidFill>
+                  <a:latin typeface="Calibri" pitchFamily="34" charset="0"/>
+                  <a:cs typeface="Arial" charset="0"/>
+                </a:defRPr>
+              </a:lvl4pPr>
+              <a:lvl5pPr marL="2057400" indent="-228600" eaLnBrk="0" hangingPunct="0">
+                <a:defRPr sz="9800">
+                  <a:solidFill>
+                    <a:schemeClr val="tx1"/>
+                  </a:solidFill>
+                  <a:latin typeface="Calibri" pitchFamily="34" charset="0"/>
+                  <a:cs typeface="Arial" charset="0"/>
+                </a:defRPr>
+              </a:lvl5pPr>
+              <a:lvl6pPr marL="2514600" indent="-228600" defTabSz="4962525" eaLnBrk="0" fontAlgn="base" hangingPunct="0">
+                <a:spcBef>
+                  <a:spcPct val="0"/>
+                </a:spcBef>
+                <a:spcAft>
+                  <a:spcPct val="0"/>
+                </a:spcAft>
+                <a:defRPr sz="9800">
+                  <a:solidFill>
+                    <a:schemeClr val="tx1"/>
+                  </a:solidFill>
+                  <a:latin typeface="Calibri" pitchFamily="34" charset="0"/>
+                  <a:cs typeface="Arial" charset="0"/>
+                </a:defRPr>
+              </a:lvl6pPr>
+              <a:lvl7pPr marL="2971800" indent="-228600" defTabSz="4962525" eaLnBrk="0" fontAlgn="base" hangingPunct="0">
+                <a:spcBef>
+                  <a:spcPct val="0"/>
+                </a:spcBef>
+                <a:spcAft>
+                  <a:spcPct val="0"/>
+                </a:spcAft>
+                <a:defRPr sz="9800">
+                  <a:solidFill>
+                    <a:schemeClr val="tx1"/>
+                  </a:solidFill>
+                  <a:latin typeface="Calibri" pitchFamily="34" charset="0"/>
+                  <a:cs typeface="Arial" charset="0"/>
+                </a:defRPr>
+              </a:lvl7pPr>
+              <a:lvl8pPr marL="3429000" indent="-228600" defTabSz="4962525" eaLnBrk="0" fontAlgn="base" hangingPunct="0">
+                <a:spcBef>
+                  <a:spcPct val="0"/>
+                </a:spcBef>
+                <a:spcAft>
+                  <a:spcPct val="0"/>
+                </a:spcAft>
+                <a:defRPr sz="9800">
+                  <a:solidFill>
+                    <a:schemeClr val="tx1"/>
+                  </a:solidFill>
+                  <a:latin typeface="Calibri" pitchFamily="34" charset="0"/>
+                  <a:cs typeface="Arial" charset="0"/>
+                </a:defRPr>
+              </a:lvl8pPr>
+              <a:lvl9pPr marL="3886200" indent="-228600" defTabSz="4962525" eaLnBrk="0" fontAlgn="base" hangingPunct="0">
+                <a:spcBef>
+                  <a:spcPct val="0"/>
+                </a:spcBef>
+                <a:spcAft>
+                  <a:spcPct val="0"/>
+                </a:spcAft>
+                <a:defRPr sz="9800">
+                  <a:solidFill>
+                    <a:schemeClr val="tx1"/>
+                  </a:solidFill>
+                  <a:latin typeface="Calibri" pitchFamily="34" charset="0"/>
+                  <a:cs typeface="Arial" charset="0"/>
+                </a:defRPr>
+              </a:lvl9pPr>
+            </a:lstStyle>
+            <a:p>
+              <a:pPr marL="0" indent="0" eaLnBrk="1" hangingPunct="1">
+                <a:lnSpc>
+                  <a:spcPts val="5500"/>
+                </a:lnSpc>
+                <a:spcBef>
+                  <a:spcPts val="600"/>
+                </a:spcBef>
+                <a:spcAft>
+                  <a:spcPts val="600"/>
+                </a:spcAft>
+                <a:defRPr/>
+              </a:pPr>
+              <a:r>
+                <a:rPr lang="en-US" altLang="en-US" sz="4400" dirty="0">
+                  <a:latin typeface="+mn-lt"/>
+                  <a:cs typeface="Times New Roman" pitchFamily="18" charset="0"/>
+                </a:rPr>
+                <a:t>BIO is searchable with SPARQL queries or Protégé’s DL Query tab, allowing users to submit requests for relational classes as well as individual data. This may be used for additional data verification and as a backend dictionary for text-mining for the BIA-ALCL project. BIO will also be released open source to aid other researchers and organizations.</a:t>
+              </a:r>
+            </a:p>
+          </p:txBody>
+        </p:sp>
+      </p:grpSp>
       <p:sp>
         <p:nvSpPr>
           <p:cNvPr id="5" name="Rectangle 4">
@@ -7655,7 +6928,7 @@
           <p:nvPr/>
         </p:nvPicPr>
         <p:blipFill>
-          <a:blip r:embed="rId8">
+          <a:blip r:embed="rId5">
             <a:extLst>
               <a:ext uri="{28A0092B-C50C-407E-A947-70E740481C1C}">
                 <a14:useLocalDpi xmlns:a14="http://schemas.microsoft.com/office/drawing/2010/main" val="0"/>
@@ -7668,8 +6941,8 @@
         </p:blipFill>
         <p:spPr>
           <a:xfrm>
-            <a:off x="9353805" y="29809498"/>
-            <a:ext cx="6228626" cy="6114489"/>
+            <a:off x="9986161" y="30540859"/>
+            <a:ext cx="5327666" cy="5230039"/>
           </a:xfrm>
           <a:prstGeom prst="rect">
             <a:avLst/>
@@ -7691,7 +6964,7 @@
           <p:nvPr/>
         </p:nvPicPr>
         <p:blipFill rotWithShape="1">
-          <a:blip r:embed="rId9">
+          <a:blip r:embed="rId6">
             <a:extLst>
               <a:ext uri="{28A0092B-C50C-407E-A947-70E740481C1C}">
                 <a14:useLocalDpi xmlns:a14="http://schemas.microsoft.com/office/drawing/2010/main" val="0"/>
@@ -7730,7 +7003,7 @@
           <p:nvPr/>
         </p:nvPicPr>
         <p:blipFill>
-          <a:blip r:embed="rId10">
+          <a:blip r:embed="rId7">
             <a:extLst>
               <a:ext uri="{28A0092B-C50C-407E-A947-70E740481C1C}">
                 <a14:useLocalDpi xmlns:a14="http://schemas.microsoft.com/office/drawing/2010/main" val="0"/>
@@ -7775,172 +7048,6 @@
           </a:extLst>
         </p:spPr>
       </p:pic>
-      <p:sp>
-        <p:nvSpPr>
-          <p:cNvPr id="109" name="TextBox 2"/>
-          <p:cNvSpPr txBox="1">
-            <a:spLocks noChangeArrowheads="1"/>
-          </p:cNvSpPr>
-          <p:nvPr/>
-        </p:nvSpPr>
-        <p:spPr bwMode="auto">
-          <a:xfrm>
-            <a:off x="43081096" y="533400"/>
-            <a:ext cx="4162904" cy="1569646"/>
-          </a:xfrm>
-          <a:prstGeom prst="rect">
-            <a:avLst/>
-          </a:prstGeom>
-          <a:noFill/>
-          <a:ln>
-            <a:noFill/>
-          </a:ln>
-          <a:extLst>
-            <a:ext uri="{909E8E84-426E-40DD-AFC4-6F175D3DCCD1}">
-              <a14:hiddenFill xmlns:a14="http://schemas.microsoft.com/office/drawing/2010/main">
-                <a:solidFill>
-                  <a:srgbClr val="FFFFFF"/>
-                </a:solidFill>
-              </a14:hiddenFill>
-            </a:ext>
-            <a:ext uri="{91240B29-F687-4F45-9708-019B960494DF}">
-              <a14:hiddenLine xmlns:a14="http://schemas.microsoft.com/office/drawing/2010/main" w="9525">
-                <a:solidFill>
-                  <a:srgbClr val="000000"/>
-                </a:solidFill>
-                <a:miter lim="800000"/>
-                <a:headEnd/>
-                <a:tailEnd/>
-              </a14:hiddenLine>
-            </a:ext>
-          </a:extLst>
-        </p:spPr>
-        <p:txBody>
-          <a:bodyPr wrap="square" lIns="91427" tIns="45713" rIns="91427" bIns="45713">
-            <a:spAutoFit/>
-          </a:bodyPr>
-          <a:lstStyle>
-            <a:lvl1pPr marL="685800" indent="-685800" eaLnBrk="0" hangingPunct="0">
-              <a:defRPr sz="9800">
-                <a:solidFill>
-                  <a:schemeClr val="tx1"/>
-                </a:solidFill>
-                <a:latin typeface="Calibri" pitchFamily="34" charset="0"/>
-                <a:cs typeface="Arial" charset="0"/>
-              </a:defRPr>
-            </a:lvl1pPr>
-            <a:lvl2pPr marL="742950" indent="-285750" eaLnBrk="0" hangingPunct="0">
-              <a:defRPr sz="9800">
-                <a:solidFill>
-                  <a:schemeClr val="tx1"/>
-                </a:solidFill>
-                <a:latin typeface="Calibri" pitchFamily="34" charset="0"/>
-                <a:cs typeface="Arial" charset="0"/>
-              </a:defRPr>
-            </a:lvl2pPr>
-            <a:lvl3pPr marL="1143000" indent="-228600" eaLnBrk="0" hangingPunct="0">
-              <a:defRPr sz="9800">
-                <a:solidFill>
-                  <a:schemeClr val="tx1"/>
-                </a:solidFill>
-                <a:latin typeface="Calibri" pitchFamily="34" charset="0"/>
-                <a:cs typeface="Arial" charset="0"/>
-              </a:defRPr>
-            </a:lvl3pPr>
-            <a:lvl4pPr marL="1600200" indent="-228600" eaLnBrk="0" hangingPunct="0">
-              <a:defRPr sz="9800">
-                <a:solidFill>
-                  <a:schemeClr val="tx1"/>
-                </a:solidFill>
-                <a:latin typeface="Calibri" pitchFamily="34" charset="0"/>
-                <a:cs typeface="Arial" charset="0"/>
-              </a:defRPr>
-            </a:lvl4pPr>
-            <a:lvl5pPr marL="2057400" indent="-228600" eaLnBrk="0" hangingPunct="0">
-              <a:defRPr sz="9800">
-                <a:solidFill>
-                  <a:schemeClr val="tx1"/>
-                </a:solidFill>
-                <a:latin typeface="Calibri" pitchFamily="34" charset="0"/>
-                <a:cs typeface="Arial" charset="0"/>
-              </a:defRPr>
-            </a:lvl5pPr>
-            <a:lvl6pPr marL="2514600" indent="-228600" defTabSz="4962525" eaLnBrk="0" fontAlgn="base" hangingPunct="0">
-              <a:spcBef>
-                <a:spcPct val="0"/>
-              </a:spcBef>
-              <a:spcAft>
-                <a:spcPct val="0"/>
-              </a:spcAft>
-              <a:defRPr sz="9800">
-                <a:solidFill>
-                  <a:schemeClr val="tx1"/>
-                </a:solidFill>
-                <a:latin typeface="Calibri" pitchFamily="34" charset="0"/>
-                <a:cs typeface="Arial" charset="0"/>
-              </a:defRPr>
-            </a:lvl6pPr>
-            <a:lvl7pPr marL="2971800" indent="-228600" defTabSz="4962525" eaLnBrk="0" fontAlgn="base" hangingPunct="0">
-              <a:spcBef>
-                <a:spcPct val="0"/>
-              </a:spcBef>
-              <a:spcAft>
-                <a:spcPct val="0"/>
-              </a:spcAft>
-              <a:defRPr sz="9800">
-                <a:solidFill>
-                  <a:schemeClr val="tx1"/>
-                </a:solidFill>
-                <a:latin typeface="Calibri" pitchFamily="34" charset="0"/>
-                <a:cs typeface="Arial" charset="0"/>
-              </a:defRPr>
-            </a:lvl7pPr>
-            <a:lvl8pPr marL="3429000" indent="-228600" defTabSz="4962525" eaLnBrk="0" fontAlgn="base" hangingPunct="0">
-              <a:spcBef>
-                <a:spcPct val="0"/>
-              </a:spcBef>
-              <a:spcAft>
-                <a:spcPct val="0"/>
-              </a:spcAft>
-              <a:defRPr sz="9800">
-                <a:solidFill>
-                  <a:schemeClr val="tx1"/>
-                </a:solidFill>
-                <a:latin typeface="Calibri" pitchFamily="34" charset="0"/>
-                <a:cs typeface="Arial" charset="0"/>
-              </a:defRPr>
-            </a:lvl8pPr>
-            <a:lvl9pPr marL="3886200" indent="-228600" defTabSz="4962525" eaLnBrk="0" fontAlgn="base" hangingPunct="0">
-              <a:spcBef>
-                <a:spcPct val="0"/>
-              </a:spcBef>
-              <a:spcAft>
-                <a:spcPct val="0"/>
-              </a:spcAft>
-              <a:defRPr sz="9800">
-                <a:solidFill>
-                  <a:schemeClr val="tx1"/>
-                </a:solidFill>
-                <a:latin typeface="Calibri" pitchFamily="34" charset="0"/>
-                <a:cs typeface="Arial" charset="0"/>
-              </a:defRPr>
-            </a:lvl9pPr>
-          </a:lstStyle>
-          <a:p>
-            <a:pPr marL="0" indent="0" algn="r"/>
-            <a:r>
-              <a:rPr lang="en-US" altLang="en-US" sz="9600" b="1" dirty="0">
-                <a:solidFill>
-                  <a:schemeClr val="bg1"/>
-                </a:solidFill>
-                <a:latin typeface="+mn-lt"/>
-                <a:cs typeface="Times New Roman" pitchFamily="18" charset="0"/>
-              </a:rPr>
-              <a:t># 0  </a:t>
-            </a:r>
-          </a:p>
-        </p:txBody>
-      </p:sp>
       <p:sp>
         <p:nvSpPr>
           <p:cNvPr id="110" name="Rectangle 109">
@@ -8050,120 +7157,6 @@
       </p:sp>
       <p:sp>
         <p:nvSpPr>
-          <p:cNvPr id="123" name="Rectangle 122">
-            <a:extLst>
-              <a:ext uri="{FF2B5EF4-FFF2-40B4-BE49-F238E27FC236}">
-                <a16:creationId xmlns:a16="http://schemas.microsoft.com/office/drawing/2014/main" id="{FDF4760C-1C5F-4A89-801B-6C61ACBAA9FD}"/>
-              </a:ext>
-            </a:extLst>
-          </p:cNvPr>
-          <p:cNvSpPr/>
-          <p:nvPr/>
-        </p:nvSpPr>
-        <p:spPr>
-          <a:xfrm>
-            <a:off x="35514564" y="9135218"/>
-            <a:ext cx="13290358" cy="1087841"/>
-          </a:xfrm>
-          <a:prstGeom prst="rect">
-            <a:avLst/>
-          </a:prstGeom>
-          <a:solidFill>
-            <a:srgbClr val="254061"/>
-          </a:solidFill>
-          <a:ln>
-            <a:noFill/>
-          </a:ln>
-          <a:effectLst/>
-        </p:spPr>
-        <p:style>
-          <a:lnRef idx="3">
-            <a:schemeClr val="lt1"/>
-          </a:lnRef>
-          <a:fillRef idx="1">
-            <a:schemeClr val="accent1"/>
-          </a:fillRef>
-          <a:effectRef idx="1">
-            <a:schemeClr val="accent1"/>
-          </a:effectRef>
-          <a:fontRef idx="minor">
-            <a:schemeClr val="lt1"/>
-          </a:fontRef>
-        </p:style>
-        <p:txBody>
-          <a:bodyPr rtlCol="0" anchor="ctr"/>
-          <a:lstStyle/>
-          <a:p>
-            <a:r>
-              <a:rPr lang="en-US" sz="5000" b="1" dirty="0"/>
-              <a:t>  CONCLUSIONS AND DISCUSSIONS</a:t>
-            </a:r>
-          </a:p>
-        </p:txBody>
-      </p:sp>
-      <p:sp>
-        <p:nvSpPr>
-          <p:cNvPr id="129" name="Rectangle 128">
-            <a:extLst>
-              <a:ext uri="{FF2B5EF4-FFF2-40B4-BE49-F238E27FC236}">
-                <a16:creationId xmlns:a16="http://schemas.microsoft.com/office/drawing/2014/main" id="{409E55FD-A3F4-47D0-B098-3834CAA88454}"/>
-              </a:ext>
-            </a:extLst>
-          </p:cNvPr>
-          <p:cNvSpPr/>
-          <p:nvPr/>
-        </p:nvSpPr>
-        <p:spPr>
-          <a:xfrm>
-            <a:off x="35514562" y="10555538"/>
-            <a:ext cx="13290360" cy="764984"/>
-          </a:xfrm>
-          <a:prstGeom prst="rect">
-            <a:avLst/>
-          </a:prstGeom>
-          <a:solidFill>
-            <a:srgbClr val="F59B00"/>
-          </a:solidFill>
-          <a:ln>
-            <a:noFill/>
-          </a:ln>
-        </p:spPr>
-        <p:style>
-          <a:lnRef idx="3">
-            <a:schemeClr val="lt1"/>
-          </a:lnRef>
-          <a:fillRef idx="1">
-            <a:schemeClr val="accent1"/>
-          </a:fillRef>
-          <a:effectRef idx="1">
-            <a:schemeClr val="accent1"/>
-          </a:effectRef>
-          <a:fontRef idx="minor">
-            <a:schemeClr val="lt1"/>
-          </a:fontRef>
-        </p:style>
-        <p:txBody>
-          <a:bodyPr rtlCol="0" anchor="ctr"/>
-          <a:lstStyle/>
-          <a:p>
-            <a:r>
-              <a:rPr lang="en-US" sz="4000" b="1" dirty="0">
-                <a:solidFill>
-                  <a:prstClr val="white"/>
-                </a:solidFill>
-              </a:rPr>
-              <a:t>FDA Actions – website update and communications</a:t>
-            </a:r>
-            <a:endParaRPr lang="en-US" sz="4000" b="1" dirty="0">
-              <a:solidFill>
-                <a:schemeClr val="bg1"/>
-              </a:solidFill>
-            </a:endParaRPr>
-          </a:p>
-        </p:txBody>
-      </p:sp>
-      <p:sp>
-        <p:nvSpPr>
           <p:cNvPr id="130" name="Rectangle 129">
             <a:extLst>
               <a:ext uri="{FF2B5EF4-FFF2-40B4-BE49-F238E27FC236}">
@@ -8210,7 +7203,7 @@
           <a:p>
             <a:r>
               <a:rPr lang="en-US" sz="5000" b="1" dirty="0"/>
-              <a:t>  RESULTS</a:t>
+              <a:t> ACKNOWLEDGEMENTS</a:t>
             </a:r>
           </a:p>
         </p:txBody>
@@ -8228,7 +7221,7 @@
           </a:xfrm>
           <a:prstGeom prst="trapezoid">
             <a:avLst>
-              <a:gd name="adj" fmla="val 102444"/>
+              <a:gd name="adj" fmla="val 106105"/>
             </a:avLst>
           </a:prstGeom>
           <a:solidFill>
@@ -8457,6 +7450,269 @@
             <a:r>
               <a:rPr lang="en-US" sz="5000" b="1" dirty="0"/>
               <a:t>  RESULTS</a:t>
+            </a:r>
+          </a:p>
+        </p:txBody>
+      </p:sp>
+      <p:pic>
+        <p:nvPicPr>
+          <p:cNvPr id="8" name="Picture 7">
+            <a:extLst>
+              <a:ext uri="{FF2B5EF4-FFF2-40B4-BE49-F238E27FC236}">
+                <a16:creationId xmlns:a16="http://schemas.microsoft.com/office/drawing/2014/main" id="{DCB4DCCD-FA8C-4A05-9C36-DB44B76FD86C}"/>
+              </a:ext>
+            </a:extLst>
+          </p:cNvPr>
+          <p:cNvPicPr>
+            <a:picLocks noChangeAspect="1"/>
+          </p:cNvPicPr>
+          <p:nvPr/>
+        </p:nvPicPr>
+        <p:blipFill rotWithShape="1">
+          <a:blip r:embed="rId8">
+            <a:extLst>
+              <a:ext uri="{28A0092B-C50C-407E-A947-70E740481C1C}">
+                <a14:useLocalDpi xmlns:a14="http://schemas.microsoft.com/office/drawing/2010/main" val="0"/>
+              </a:ext>
+            </a:extLst>
+          </a:blip>
+          <a:srcRect r="30972"/>
+          <a:stretch/>
+        </p:blipFill>
+        <p:spPr>
+          <a:xfrm>
+            <a:off x="16856256" y="17134980"/>
+            <a:ext cx="8369194" cy="8980919"/>
+          </a:xfrm>
+          <a:prstGeom prst="rect">
+            <a:avLst/>
+          </a:prstGeom>
+        </p:spPr>
+      </p:pic>
+      <p:sp>
+        <p:nvSpPr>
+          <p:cNvPr id="10" name="TextBox 9">
+            <a:extLst>
+              <a:ext uri="{FF2B5EF4-FFF2-40B4-BE49-F238E27FC236}">
+                <a16:creationId xmlns:a16="http://schemas.microsoft.com/office/drawing/2014/main" id="{9D5D1D8C-5550-4C65-A8DA-F3DC01D6C377}"/>
+              </a:ext>
+            </a:extLst>
+          </p:cNvPr>
+          <p:cNvSpPr txBox="1"/>
+          <p:nvPr/>
+        </p:nvSpPr>
+        <p:spPr>
+          <a:xfrm>
+            <a:off x="25513130" y="17190015"/>
+            <a:ext cx="9518719" cy="10833928"/>
+          </a:xfrm>
+          <a:prstGeom prst="rect">
+            <a:avLst/>
+          </a:prstGeom>
+          <a:noFill/>
+        </p:spPr>
+        <p:txBody>
+          <a:bodyPr wrap="square" rtlCol="0">
+            <a:spAutoFit/>
+          </a:bodyPr>
+          <a:lstStyle/>
+          <a:p>
+            <a:pPr>
+              <a:lnSpc>
+                <a:spcPts val="5600"/>
+              </a:lnSpc>
+            </a:pPr>
+            <a:r>
+              <a:rPr lang="en-US" sz="4400" dirty="0"/>
+              <a:t>The Breast Implant Ontology (BIO) classifies 8 FDA approved breast implant lines based on profile, shape, shell, shell surface, fill type, product code, and FDA PMA submission. It also includes annotations of device catalog number, version model number, publish date, GUDID link, PMA link, GMDN name, and GMDN definition.</a:t>
+            </a:r>
+          </a:p>
+          <a:p>
+            <a:pPr>
+              <a:lnSpc>
+                <a:spcPts val="5600"/>
+              </a:lnSpc>
+            </a:pPr>
+            <a:endParaRPr lang="en-US" sz="4400" dirty="0"/>
+          </a:p>
+          <a:p>
+            <a:pPr>
+              <a:lnSpc>
+                <a:spcPts val="5600"/>
+              </a:lnSpc>
+            </a:pPr>
+            <a:r>
+              <a:rPr lang="en-US" sz="4400" dirty="0"/>
+              <a:t>Device dimensions (not in GUDID), such as width/diameter, height, nominal fill volume, maximum fill volume, nominal projection, and max projection were included in BIO.</a:t>
+            </a:r>
+          </a:p>
+        </p:txBody>
+      </p:sp>
+      <p:sp>
+        <p:nvSpPr>
+          <p:cNvPr id="57" name="TextBox 2">
+            <a:extLst>
+              <a:ext uri="{FF2B5EF4-FFF2-40B4-BE49-F238E27FC236}">
+                <a16:creationId xmlns:a16="http://schemas.microsoft.com/office/drawing/2014/main" id="{C7D967FE-7C9C-4D47-A3DB-625E719FFB40}"/>
+              </a:ext>
+            </a:extLst>
+          </p:cNvPr>
+          <p:cNvSpPr txBox="1">
+            <a:spLocks noChangeArrowheads="1"/>
+          </p:cNvSpPr>
+          <p:nvPr/>
+        </p:nvSpPr>
+        <p:spPr bwMode="auto">
+          <a:xfrm>
+            <a:off x="816029" y="34039586"/>
+            <a:ext cx="8939150" cy="1661979"/>
+          </a:xfrm>
+          <a:prstGeom prst="rect">
+            <a:avLst/>
+          </a:prstGeom>
+          <a:noFill/>
+          <a:ln>
+            <a:noFill/>
+          </a:ln>
+          <a:extLst>
+            <a:ext uri="{909E8E84-426E-40DD-AFC4-6F175D3DCCD1}">
+              <a14:hiddenFill xmlns:a14="http://schemas.microsoft.com/office/drawing/2010/main">
+                <a:solidFill>
+                  <a:srgbClr val="FFFFFF"/>
+                </a:solidFill>
+              </a14:hiddenFill>
+            </a:ext>
+            <a:ext uri="{91240B29-F687-4F45-9708-019B960494DF}">
+              <a14:hiddenLine xmlns:a14="http://schemas.microsoft.com/office/drawing/2010/main" w="9525">
+                <a:solidFill>
+                  <a:srgbClr val="000000"/>
+                </a:solidFill>
+                <a:miter lim="800000"/>
+                <a:headEnd/>
+                <a:tailEnd/>
+              </a14:hiddenLine>
+            </a:ext>
+          </a:extLst>
+        </p:spPr>
+        <p:txBody>
+          <a:bodyPr wrap="square" lIns="91427" tIns="45713" rIns="91427" bIns="45713">
+            <a:spAutoFit/>
+          </a:bodyPr>
+          <a:lstStyle>
+            <a:lvl1pPr marL="685800" indent="-685800" eaLnBrk="0" hangingPunct="0">
+              <a:defRPr sz="9800">
+                <a:solidFill>
+                  <a:schemeClr val="tx1"/>
+                </a:solidFill>
+                <a:latin typeface="Calibri" pitchFamily="34" charset="0"/>
+                <a:cs typeface="Arial" charset="0"/>
+              </a:defRPr>
+            </a:lvl1pPr>
+            <a:lvl2pPr marL="742950" indent="-285750" eaLnBrk="0" hangingPunct="0">
+              <a:defRPr sz="9800">
+                <a:solidFill>
+                  <a:schemeClr val="tx1"/>
+                </a:solidFill>
+                <a:latin typeface="Calibri" pitchFamily="34" charset="0"/>
+                <a:cs typeface="Arial" charset="0"/>
+              </a:defRPr>
+            </a:lvl2pPr>
+            <a:lvl3pPr marL="1143000" indent="-228600" eaLnBrk="0" hangingPunct="0">
+              <a:defRPr sz="9800">
+                <a:solidFill>
+                  <a:schemeClr val="tx1"/>
+                </a:solidFill>
+                <a:latin typeface="Calibri" pitchFamily="34" charset="0"/>
+                <a:cs typeface="Arial" charset="0"/>
+              </a:defRPr>
+            </a:lvl3pPr>
+            <a:lvl4pPr marL="1600200" indent="-228600" eaLnBrk="0" hangingPunct="0">
+              <a:defRPr sz="9800">
+                <a:solidFill>
+                  <a:schemeClr val="tx1"/>
+                </a:solidFill>
+                <a:latin typeface="Calibri" pitchFamily="34" charset="0"/>
+                <a:cs typeface="Arial" charset="0"/>
+              </a:defRPr>
+            </a:lvl4pPr>
+            <a:lvl5pPr marL="2057400" indent="-228600" eaLnBrk="0" hangingPunct="0">
+              <a:defRPr sz="9800">
+                <a:solidFill>
+                  <a:schemeClr val="tx1"/>
+                </a:solidFill>
+                <a:latin typeface="Calibri" pitchFamily="34" charset="0"/>
+                <a:cs typeface="Arial" charset="0"/>
+              </a:defRPr>
+            </a:lvl5pPr>
+            <a:lvl6pPr marL="2514600" indent="-228600" defTabSz="4962525" eaLnBrk="0" fontAlgn="base" hangingPunct="0">
+              <a:spcBef>
+                <a:spcPct val="0"/>
+              </a:spcBef>
+              <a:spcAft>
+                <a:spcPct val="0"/>
+              </a:spcAft>
+              <a:defRPr sz="9800">
+                <a:solidFill>
+                  <a:schemeClr val="tx1"/>
+                </a:solidFill>
+                <a:latin typeface="Calibri" pitchFamily="34" charset="0"/>
+                <a:cs typeface="Arial" charset="0"/>
+              </a:defRPr>
+            </a:lvl6pPr>
+            <a:lvl7pPr marL="2971800" indent="-228600" defTabSz="4962525" eaLnBrk="0" fontAlgn="base" hangingPunct="0">
+              <a:spcBef>
+                <a:spcPct val="0"/>
+              </a:spcBef>
+              <a:spcAft>
+                <a:spcPct val="0"/>
+              </a:spcAft>
+              <a:defRPr sz="9800">
+                <a:solidFill>
+                  <a:schemeClr val="tx1"/>
+                </a:solidFill>
+                <a:latin typeface="Calibri" pitchFamily="34" charset="0"/>
+                <a:cs typeface="Arial" charset="0"/>
+              </a:defRPr>
+            </a:lvl7pPr>
+            <a:lvl8pPr marL="3429000" indent="-228600" defTabSz="4962525" eaLnBrk="0" fontAlgn="base" hangingPunct="0">
+              <a:spcBef>
+                <a:spcPct val="0"/>
+              </a:spcBef>
+              <a:spcAft>
+                <a:spcPct val="0"/>
+              </a:spcAft>
+              <a:defRPr sz="9800">
+                <a:solidFill>
+                  <a:schemeClr val="tx1"/>
+                </a:solidFill>
+                <a:latin typeface="Calibri" pitchFamily="34" charset="0"/>
+                <a:cs typeface="Arial" charset="0"/>
+              </a:defRPr>
+            </a:lvl8pPr>
+            <a:lvl9pPr marL="3886200" indent="-228600" defTabSz="4962525" eaLnBrk="0" fontAlgn="base" hangingPunct="0">
+              <a:spcBef>
+                <a:spcPct val="0"/>
+              </a:spcBef>
+              <a:spcAft>
+                <a:spcPct val="0"/>
+              </a:spcAft>
+              <a:defRPr sz="9800">
+                <a:solidFill>
+                  <a:schemeClr val="tx1"/>
+                </a:solidFill>
+                <a:latin typeface="Calibri" pitchFamily="34" charset="0"/>
+                <a:cs typeface="Arial" charset="0"/>
+              </a:defRPr>
+            </a:lvl9pPr>
+          </a:lstStyle>
+          <a:p>
+            <a:pPr marL="0" indent="0"/>
+            <a:r>
+              <a:rPr lang="en-US" altLang="en-US" sz="3400" dirty="0">
+                <a:latin typeface="+mn-lt"/>
+                <a:cs typeface="Times New Roman" pitchFamily="18" charset="0"/>
+              </a:rPr>
+              <a:t>Figure 1. Two fields of interest to the BIA-ALCL project are the shell surface texture and filling of breast implants.</a:t>
             </a:r>
           </a:p>
         </p:txBody>
